--- a/lectures/DJ-09-Cookies-Sessions.pptx
+++ b/lectures/DJ-09-Cookies-Sessions.pptx
@@ -227,7 +227,7 @@
           <a:p>
             <a:fld id="{C97B56FC-7D2E-F343-9D09-0D14B00AA564}" type="datetimeFigureOut">
               <a:rPr lang="en-US" smtClean="0"/>
-              <a:t>9/30/19</a:t>
+              <a:t>2/10/23</a:t>
             </a:fld>
             <a:endParaRPr lang="en-US"/>
           </a:p>
@@ -291,38 +291,37 @@
           <a:p>
             <a:pPr lvl="0"/>
             <a:r>
-              <a:rPr lang="en-US" smtClean="0"/>
+              <a:rPr lang="en-US"/>
               <a:t>Click to edit Master text styles</a:t>
             </a:r>
           </a:p>
           <a:p>
             <a:pPr lvl="1"/>
             <a:r>
-              <a:rPr lang="en-US" smtClean="0"/>
+              <a:rPr lang="en-US"/>
               <a:t>Second level</a:t>
             </a:r>
           </a:p>
           <a:p>
             <a:pPr lvl="2"/>
             <a:r>
-              <a:rPr lang="en-US" smtClean="0"/>
+              <a:rPr lang="en-US"/>
               <a:t>Third level</a:t>
             </a:r>
           </a:p>
           <a:p>
             <a:pPr lvl="3"/>
             <a:r>
-              <a:rPr lang="en-US" smtClean="0"/>
+              <a:rPr lang="en-US"/>
               <a:t>Fourth level</a:t>
             </a:r>
           </a:p>
           <a:p>
             <a:pPr lvl="4"/>
             <a:r>
-              <a:rPr lang="en-US" smtClean="0"/>
+              <a:rPr lang="en-US"/>
               <a:t>Fifth level</a:t>
             </a:r>
-            <a:endParaRPr lang="en-US"/>
           </a:p>
         </p:txBody>
       </p:sp>
@@ -541,7 +540,7 @@
               </a14:hiddenFill>
             </a:ext>
             <a:ext uri="{FAA26D3D-D897-4be2-8F04-BA451C77F1D7}">
-              <ma14:placeholderFlag xmlns:ma14="http://schemas.microsoft.com/office/mac/drawingml/2011/main" val="1"/>
+              <ma14:placeholderFlag xmlns:ma14="http://schemas.microsoft.com/office/mac/drawingml/2011/main" xmlns="" val="1"/>
             </a:ext>
           </a:extLst>
         </p:spPr>
@@ -577,7 +576,7 @@
               </a14:hiddenLine>
             </a:ext>
             <a:ext uri="{FAA26D3D-D897-4be2-8F04-BA451C77F1D7}">
-              <ma14:placeholderFlag xmlns:ma14="http://schemas.microsoft.com/office/mac/drawingml/2011/main" val="1"/>
+              <ma14:placeholderFlag xmlns:ma14="http://schemas.microsoft.com/office/mac/drawingml/2011/main" xmlns="" val="1"/>
             </a:ext>
           </a:extLst>
         </p:spPr>
@@ -814,7 +813,7 @@
               </a14:hiddenFill>
             </a:ext>
             <a:ext uri="{FAA26D3D-D897-4be2-8F04-BA451C77F1D7}">
-              <ma14:placeholderFlag xmlns:ma14="http://schemas.microsoft.com/office/mac/drawingml/2011/main" val="1"/>
+              <ma14:placeholderFlag xmlns:ma14="http://schemas.microsoft.com/office/mac/drawingml/2011/main" xmlns="" val="1"/>
             </a:ext>
           </a:extLst>
         </p:spPr>
@@ -914,7 +913,7 @@
               </a14:hiddenFill>
             </a:ext>
             <a:ext uri="{FAA26D3D-D897-4be2-8F04-BA451C77F1D7}">
-              <ma14:placeholderFlag xmlns:ma14="http://schemas.microsoft.com/office/mac/drawingml/2011/main" val="1"/>
+              <ma14:placeholderFlag xmlns:ma14="http://schemas.microsoft.com/office/mac/drawingml/2011/main" xmlns="" val="1"/>
             </a:ext>
           </a:extLst>
         </p:spPr>
@@ -950,7 +949,7 @@
               </a14:hiddenLine>
             </a:ext>
             <a:ext uri="{FAA26D3D-D897-4be2-8F04-BA451C77F1D7}">
-              <ma14:placeholderFlag xmlns:ma14="http://schemas.microsoft.com/office/mac/drawingml/2011/main" val="1"/>
+              <ma14:placeholderFlag xmlns:ma14="http://schemas.microsoft.com/office/mac/drawingml/2011/main" xmlns="" val="1"/>
             </a:ext>
           </a:extLst>
         </p:spPr>
@@ -1187,7 +1186,7 @@
               </a14:hiddenFill>
             </a:ext>
             <a:ext uri="{FAA26D3D-D897-4be2-8F04-BA451C77F1D7}">
-              <ma14:placeholderFlag xmlns:ma14="http://schemas.microsoft.com/office/mac/drawingml/2011/main" val="1"/>
+              <ma14:placeholderFlag xmlns:ma14="http://schemas.microsoft.com/office/mac/drawingml/2011/main" xmlns="" val="1"/>
             </a:ext>
           </a:extLst>
         </p:spPr>
@@ -1223,7 +1222,7 @@
               </a14:hiddenLine>
             </a:ext>
             <a:ext uri="{FAA26D3D-D897-4be2-8F04-BA451C77F1D7}">
-              <ma14:placeholderFlag xmlns:ma14="http://schemas.microsoft.com/office/mac/drawingml/2011/main" val="1"/>
+              <ma14:placeholderFlag xmlns:ma14="http://schemas.microsoft.com/office/mac/drawingml/2011/main" xmlns="" val="1"/>
             </a:ext>
           </a:extLst>
         </p:spPr>
@@ -1460,7 +1459,7 @@
               </a14:hiddenFill>
             </a:ext>
             <a:ext uri="{FAA26D3D-D897-4be2-8F04-BA451C77F1D7}">
-              <ma14:placeholderFlag xmlns:ma14="http://schemas.microsoft.com/office/mac/drawingml/2011/main" val="1"/>
+              <ma14:placeholderFlag xmlns:ma14="http://schemas.microsoft.com/office/mac/drawingml/2011/main" xmlns="" val="1"/>
             </a:ext>
           </a:extLst>
         </p:spPr>
@@ -1496,7 +1495,7 @@
               </a14:hiddenLine>
             </a:ext>
             <a:ext uri="{FAA26D3D-D897-4be2-8F04-BA451C77F1D7}">
-              <ma14:placeholderFlag xmlns:ma14="http://schemas.microsoft.com/office/mac/drawingml/2011/main" val="1"/>
+              <ma14:placeholderFlag xmlns:ma14="http://schemas.microsoft.com/office/mac/drawingml/2011/main" xmlns="" val="1"/>
             </a:ext>
           </a:extLst>
         </p:spPr>
@@ -1733,7 +1732,7 @@
               </a14:hiddenFill>
             </a:ext>
             <a:ext uri="{FAA26D3D-D897-4be2-8F04-BA451C77F1D7}">
-              <ma14:placeholderFlag xmlns:ma14="http://schemas.microsoft.com/office/mac/drawingml/2011/main" val="1"/>
+              <ma14:placeholderFlag xmlns:ma14="http://schemas.microsoft.com/office/mac/drawingml/2011/main" xmlns="" val="1"/>
             </a:ext>
           </a:extLst>
         </p:spPr>
@@ -1769,7 +1768,7 @@
               </a14:hiddenLine>
             </a:ext>
             <a:ext uri="{FAA26D3D-D897-4be2-8F04-BA451C77F1D7}">
-              <ma14:placeholderFlag xmlns:ma14="http://schemas.microsoft.com/office/mac/drawingml/2011/main" val="1"/>
+              <ma14:placeholderFlag xmlns:ma14="http://schemas.microsoft.com/office/mac/drawingml/2011/main" xmlns="" val="1"/>
             </a:ext>
           </a:extLst>
         </p:spPr>
@@ -2006,7 +2005,7 @@
               </a14:hiddenFill>
             </a:ext>
             <a:ext uri="{FAA26D3D-D897-4be2-8F04-BA451C77F1D7}">
-              <ma14:placeholderFlag xmlns:ma14="http://schemas.microsoft.com/office/mac/drawingml/2011/main" val="1"/>
+              <ma14:placeholderFlag xmlns:ma14="http://schemas.microsoft.com/office/mac/drawingml/2011/main" xmlns="" val="1"/>
             </a:ext>
           </a:extLst>
         </p:spPr>
@@ -2042,7 +2041,7 @@
               </a14:hiddenLine>
             </a:ext>
             <a:ext uri="{FAA26D3D-D897-4be2-8F04-BA451C77F1D7}">
-              <ma14:placeholderFlag xmlns:ma14="http://schemas.microsoft.com/office/mac/drawingml/2011/main" val="1"/>
+              <ma14:placeholderFlag xmlns:ma14="http://schemas.microsoft.com/office/mac/drawingml/2011/main" xmlns="" val="1"/>
             </a:ext>
           </a:extLst>
         </p:spPr>
@@ -2279,7 +2278,7 @@
               </a14:hiddenFill>
             </a:ext>
             <a:ext uri="{FAA26D3D-D897-4be2-8F04-BA451C77F1D7}">
-              <ma14:placeholderFlag xmlns:ma14="http://schemas.microsoft.com/office/mac/drawingml/2011/main" val="1"/>
+              <ma14:placeholderFlag xmlns:ma14="http://schemas.microsoft.com/office/mac/drawingml/2011/main" xmlns="" val="1"/>
             </a:ext>
           </a:extLst>
         </p:spPr>
@@ -2315,7 +2314,7 @@
               </a14:hiddenLine>
             </a:ext>
             <a:ext uri="{FAA26D3D-D897-4be2-8F04-BA451C77F1D7}">
-              <ma14:placeholderFlag xmlns:ma14="http://schemas.microsoft.com/office/mac/drawingml/2011/main" val="1"/>
+              <ma14:placeholderFlag xmlns:ma14="http://schemas.microsoft.com/office/mac/drawingml/2011/main" xmlns="" val="1"/>
             </a:ext>
           </a:extLst>
         </p:spPr>
@@ -2552,7 +2551,7 @@
               </a14:hiddenFill>
             </a:ext>
             <a:ext uri="{FAA26D3D-D897-4be2-8F04-BA451C77F1D7}">
-              <ma14:placeholderFlag xmlns:ma14="http://schemas.microsoft.com/office/mac/drawingml/2011/main" val="1"/>
+              <ma14:placeholderFlag xmlns:ma14="http://schemas.microsoft.com/office/mac/drawingml/2011/main" xmlns="" val="1"/>
             </a:ext>
           </a:extLst>
         </p:spPr>
@@ -2588,7 +2587,7 @@
               </a14:hiddenLine>
             </a:ext>
             <a:ext uri="{FAA26D3D-D897-4be2-8F04-BA451C77F1D7}">
-              <ma14:placeholderFlag xmlns:ma14="http://schemas.microsoft.com/office/mac/drawingml/2011/main" val="1"/>
+              <ma14:placeholderFlag xmlns:ma14="http://schemas.microsoft.com/office/mac/drawingml/2011/main" xmlns="" val="1"/>
             </a:ext>
           </a:extLst>
         </p:spPr>
@@ -2825,7 +2824,7 @@
               </a14:hiddenFill>
             </a:ext>
             <a:ext uri="{FAA26D3D-D897-4be2-8F04-BA451C77F1D7}">
-              <ma14:placeholderFlag xmlns:ma14="http://schemas.microsoft.com/office/mac/drawingml/2011/main" val="1"/>
+              <ma14:placeholderFlag xmlns:ma14="http://schemas.microsoft.com/office/mac/drawingml/2011/main" xmlns="" val="1"/>
             </a:ext>
           </a:extLst>
         </p:spPr>
@@ -2861,7 +2860,7 @@
               </a14:hiddenLine>
             </a:ext>
             <a:ext uri="{FAA26D3D-D897-4be2-8F04-BA451C77F1D7}">
-              <ma14:placeholderFlag xmlns:ma14="http://schemas.microsoft.com/office/mac/drawingml/2011/main" val="1"/>
+              <ma14:placeholderFlag xmlns:ma14="http://schemas.microsoft.com/office/mac/drawingml/2011/main" xmlns="" val="1"/>
             </a:ext>
           </a:extLst>
         </p:spPr>
@@ -3094,10 +3093,9 @@
           </a:lstStyle>
           <a:p>
             <a:r>
-              <a:rPr lang="en-US" dirty="0" smtClean="0"/>
+              <a:rPr lang="en-US" dirty="0"/>
               <a:t>Click to edit Master title style</a:t>
             </a:r>
-            <a:endParaRPr lang="en-US" dirty="0"/>
           </a:p>
         </p:txBody>
       </p:sp>
@@ -3159,7 +3157,7 @@
           </a:lstStyle>
           <a:p>
             <a:r>
-              <a:rPr lang="en-US" smtClean="0"/>
+              <a:rPr lang="en-US"/>
               <a:t>Click to edit Master subtitle style</a:t>
             </a:r>
             <a:endParaRPr lang="en-US" dirty="0"/>
@@ -3183,7 +3181,7 @@
           <a:p>
             <a:fld id="{EEE7C04C-7AF8-1445-A186-502B631B934F}" type="datetimeFigureOut">
               <a:rPr lang="en-US" smtClean="0"/>
-              <a:t>9/30/19</a:t>
+              <a:t>2/10/23</a:t>
             </a:fld>
             <a:endParaRPr lang="en-US"/>
           </a:p>
@@ -3272,7 +3270,7 @@
           <a:lstStyle/>
           <a:p>
             <a:r>
-              <a:rPr lang="en-US" smtClean="0"/>
+              <a:rPr lang="en-US"/>
               <a:t>Click to edit Master title style</a:t>
             </a:r>
             <a:endParaRPr lang="en-US" dirty="0"/>
@@ -3296,35 +3294,35 @@
           <a:p>
             <a:pPr lvl="0"/>
             <a:r>
-              <a:rPr lang="en-US" smtClean="0"/>
+              <a:rPr lang="en-US"/>
               <a:t>Click to edit Master text styles</a:t>
             </a:r>
           </a:p>
           <a:p>
             <a:pPr lvl="1"/>
             <a:r>
-              <a:rPr lang="en-US" smtClean="0"/>
+              <a:rPr lang="en-US"/>
               <a:t>Second level</a:t>
             </a:r>
           </a:p>
           <a:p>
             <a:pPr lvl="2"/>
             <a:r>
-              <a:rPr lang="en-US" smtClean="0"/>
+              <a:rPr lang="en-US"/>
               <a:t>Third level</a:t>
             </a:r>
           </a:p>
           <a:p>
             <a:pPr lvl="3"/>
             <a:r>
-              <a:rPr lang="en-US" smtClean="0"/>
+              <a:rPr lang="en-US"/>
               <a:t>Fourth level</a:t>
             </a:r>
           </a:p>
           <a:p>
             <a:pPr lvl="4"/>
             <a:r>
-              <a:rPr lang="en-US" smtClean="0"/>
+              <a:rPr lang="en-US"/>
               <a:t>Fifth level</a:t>
             </a:r>
             <a:endParaRPr lang="en-US" dirty="0"/>
@@ -3348,7 +3346,7 @@
           <a:p>
             <a:fld id="{EEE7C04C-7AF8-1445-A186-502B631B934F}" type="datetimeFigureOut">
               <a:rPr lang="en-US" smtClean="0"/>
-              <a:t>9/30/19</a:t>
+              <a:t>2/10/23</a:t>
             </a:fld>
             <a:endParaRPr lang="en-US"/>
           </a:p>
@@ -3442,7 +3440,7 @@
           <a:lstStyle/>
           <a:p>
             <a:r>
-              <a:rPr lang="en-US" smtClean="0"/>
+              <a:rPr lang="en-US"/>
               <a:t>Click to edit Master title style</a:t>
             </a:r>
             <a:endParaRPr lang="en-US" dirty="0"/>
@@ -3471,35 +3469,35 @@
           <a:p>
             <a:pPr lvl="0"/>
             <a:r>
-              <a:rPr lang="en-US" smtClean="0"/>
+              <a:rPr lang="en-US"/>
               <a:t>Click to edit Master text styles</a:t>
             </a:r>
           </a:p>
           <a:p>
             <a:pPr lvl="1"/>
             <a:r>
-              <a:rPr lang="en-US" smtClean="0"/>
+              <a:rPr lang="en-US"/>
               <a:t>Second level</a:t>
             </a:r>
           </a:p>
           <a:p>
             <a:pPr lvl="2"/>
             <a:r>
-              <a:rPr lang="en-US" smtClean="0"/>
+              <a:rPr lang="en-US"/>
               <a:t>Third level</a:t>
             </a:r>
           </a:p>
           <a:p>
             <a:pPr lvl="3"/>
             <a:r>
-              <a:rPr lang="en-US" smtClean="0"/>
+              <a:rPr lang="en-US"/>
               <a:t>Fourth level</a:t>
             </a:r>
           </a:p>
           <a:p>
             <a:pPr lvl="4"/>
             <a:r>
-              <a:rPr lang="en-US" smtClean="0"/>
+              <a:rPr lang="en-US"/>
               <a:t>Fifth level</a:t>
             </a:r>
             <a:endParaRPr lang="en-US" dirty="0"/>
@@ -3523,7 +3521,7 @@
           <a:p>
             <a:fld id="{EEE7C04C-7AF8-1445-A186-502B631B934F}" type="datetimeFigureOut">
               <a:rPr lang="en-US" smtClean="0"/>
-              <a:t>9/30/19</a:t>
+              <a:t>2/10/23</a:t>
             </a:fld>
             <a:endParaRPr lang="en-US"/>
           </a:p>
@@ -3612,7 +3610,7 @@
           <a:lstStyle/>
           <a:p>
             <a:r>
-              <a:rPr lang="en-US" smtClean="0"/>
+              <a:rPr lang="en-US"/>
               <a:t>Click to edit Master title style</a:t>
             </a:r>
             <a:endParaRPr lang="en-US" dirty="0"/>
@@ -3636,35 +3634,35 @@
           <a:p>
             <a:pPr lvl="0"/>
             <a:r>
-              <a:rPr lang="en-US" smtClean="0"/>
+              <a:rPr lang="en-US"/>
               <a:t>Click to edit Master text styles</a:t>
             </a:r>
           </a:p>
           <a:p>
             <a:pPr lvl="1"/>
             <a:r>
-              <a:rPr lang="en-US" smtClean="0"/>
+              <a:rPr lang="en-US"/>
               <a:t>Second level</a:t>
             </a:r>
           </a:p>
           <a:p>
             <a:pPr lvl="2"/>
             <a:r>
-              <a:rPr lang="en-US" smtClean="0"/>
+              <a:rPr lang="en-US"/>
               <a:t>Third level</a:t>
             </a:r>
           </a:p>
           <a:p>
             <a:pPr lvl="3"/>
             <a:r>
-              <a:rPr lang="en-US" smtClean="0"/>
+              <a:rPr lang="en-US"/>
               <a:t>Fourth level</a:t>
             </a:r>
           </a:p>
           <a:p>
             <a:pPr lvl="4"/>
             <a:r>
-              <a:rPr lang="en-US" smtClean="0"/>
+              <a:rPr lang="en-US"/>
               <a:t>Fifth level</a:t>
             </a:r>
             <a:endParaRPr lang="en-US" dirty="0"/>
@@ -3688,7 +3686,7 @@
           <a:p>
             <a:fld id="{EEE7C04C-7AF8-1445-A186-502B631B934F}" type="datetimeFigureOut">
               <a:rPr lang="en-US" smtClean="0"/>
-              <a:t>9/30/19</a:t>
+              <a:t>2/10/23</a:t>
             </a:fld>
             <a:endParaRPr lang="en-US"/>
           </a:p>
@@ -3786,7 +3784,7 @@
           </a:lstStyle>
           <a:p>
             <a:r>
-              <a:rPr lang="en-US" smtClean="0"/>
+              <a:rPr lang="en-US"/>
               <a:t>Click to edit Master title style</a:t>
             </a:r>
             <a:endParaRPr lang="en-US" dirty="0"/>
@@ -3906,7 +3904,7 @@
           <a:p>
             <a:pPr lvl="0"/>
             <a:r>
-              <a:rPr lang="en-US" smtClean="0"/>
+              <a:rPr lang="en-US"/>
               <a:t>Click to edit Master text styles</a:t>
             </a:r>
           </a:p>
@@ -3929,7 +3927,7 @@
           <a:p>
             <a:fld id="{EEE7C04C-7AF8-1445-A186-502B631B934F}" type="datetimeFigureOut">
               <a:rPr lang="en-US" smtClean="0"/>
-              <a:t>9/30/19</a:t>
+              <a:t>2/10/23</a:t>
             </a:fld>
             <a:endParaRPr lang="en-US"/>
           </a:p>
@@ -4018,7 +4016,7 @@
           <a:lstStyle/>
           <a:p>
             <a:r>
-              <a:rPr lang="en-US" smtClean="0"/>
+              <a:rPr lang="en-US"/>
               <a:t>Click to edit Master title style</a:t>
             </a:r>
             <a:endParaRPr lang="en-US" dirty="0"/>
@@ -4047,35 +4045,35 @@
           <a:p>
             <a:pPr lvl="0"/>
             <a:r>
-              <a:rPr lang="en-US" smtClean="0"/>
+              <a:rPr lang="en-US"/>
               <a:t>Click to edit Master text styles</a:t>
             </a:r>
           </a:p>
           <a:p>
             <a:pPr lvl="1"/>
             <a:r>
-              <a:rPr lang="en-US" smtClean="0"/>
+              <a:rPr lang="en-US"/>
               <a:t>Second level</a:t>
             </a:r>
           </a:p>
           <a:p>
             <a:pPr lvl="2"/>
             <a:r>
-              <a:rPr lang="en-US" smtClean="0"/>
+              <a:rPr lang="en-US"/>
               <a:t>Third level</a:t>
             </a:r>
           </a:p>
           <a:p>
             <a:pPr lvl="3"/>
             <a:r>
-              <a:rPr lang="en-US" smtClean="0"/>
+              <a:rPr lang="en-US"/>
               <a:t>Fourth level</a:t>
             </a:r>
           </a:p>
           <a:p>
             <a:pPr lvl="4"/>
             <a:r>
-              <a:rPr lang="en-US" smtClean="0"/>
+              <a:rPr lang="en-US"/>
               <a:t>Fifth level</a:t>
             </a:r>
             <a:endParaRPr lang="en-US" dirty="0"/>
@@ -4104,35 +4102,35 @@
           <a:p>
             <a:pPr lvl="0"/>
             <a:r>
-              <a:rPr lang="en-US" smtClean="0"/>
+              <a:rPr lang="en-US"/>
               <a:t>Click to edit Master text styles</a:t>
             </a:r>
           </a:p>
           <a:p>
             <a:pPr lvl="1"/>
             <a:r>
-              <a:rPr lang="en-US" smtClean="0"/>
+              <a:rPr lang="en-US"/>
               <a:t>Second level</a:t>
             </a:r>
           </a:p>
           <a:p>
             <a:pPr lvl="2"/>
             <a:r>
-              <a:rPr lang="en-US" smtClean="0"/>
+              <a:rPr lang="en-US"/>
               <a:t>Third level</a:t>
             </a:r>
           </a:p>
           <a:p>
             <a:pPr lvl="3"/>
             <a:r>
-              <a:rPr lang="en-US" smtClean="0"/>
+              <a:rPr lang="en-US"/>
               <a:t>Fourth level</a:t>
             </a:r>
           </a:p>
           <a:p>
             <a:pPr lvl="4"/>
             <a:r>
-              <a:rPr lang="en-US" smtClean="0"/>
+              <a:rPr lang="en-US"/>
               <a:t>Fifth level</a:t>
             </a:r>
             <a:endParaRPr lang="en-US" dirty="0"/>
@@ -4156,7 +4154,7 @@
           <a:p>
             <a:fld id="{EEE7C04C-7AF8-1445-A186-502B631B934F}" type="datetimeFigureOut">
               <a:rPr lang="en-US" smtClean="0"/>
-              <a:t>9/30/19</a:t>
+              <a:t>2/10/23</a:t>
             </a:fld>
             <a:endParaRPr lang="en-US"/>
           </a:p>
@@ -4250,7 +4248,7 @@
           <a:lstStyle/>
           <a:p>
             <a:r>
-              <a:rPr lang="en-US" smtClean="0"/>
+              <a:rPr lang="en-US"/>
               <a:t>Click to edit Master title style</a:t>
             </a:r>
             <a:endParaRPr lang="en-US" dirty="0"/>
@@ -4316,7 +4314,7 @@
           <a:p>
             <a:pPr lvl="0"/>
             <a:r>
-              <a:rPr lang="en-US" smtClean="0"/>
+              <a:rPr lang="en-US"/>
               <a:t>Click to edit Master text styles</a:t>
             </a:r>
           </a:p>
@@ -4344,35 +4342,35 @@
           <a:p>
             <a:pPr lvl="0"/>
             <a:r>
-              <a:rPr lang="en-US" smtClean="0"/>
+              <a:rPr lang="en-US"/>
               <a:t>Click to edit Master text styles</a:t>
             </a:r>
           </a:p>
           <a:p>
             <a:pPr lvl="1"/>
             <a:r>
-              <a:rPr lang="en-US" smtClean="0"/>
+              <a:rPr lang="en-US"/>
               <a:t>Second level</a:t>
             </a:r>
           </a:p>
           <a:p>
             <a:pPr lvl="2"/>
             <a:r>
-              <a:rPr lang="en-US" smtClean="0"/>
+              <a:rPr lang="en-US"/>
               <a:t>Third level</a:t>
             </a:r>
           </a:p>
           <a:p>
             <a:pPr lvl="3"/>
             <a:r>
-              <a:rPr lang="en-US" smtClean="0"/>
+              <a:rPr lang="en-US"/>
               <a:t>Fourth level</a:t>
             </a:r>
           </a:p>
           <a:p>
             <a:pPr lvl="4"/>
             <a:r>
-              <a:rPr lang="en-US" smtClean="0"/>
+              <a:rPr lang="en-US"/>
               <a:t>Fifth level</a:t>
             </a:r>
             <a:endParaRPr lang="en-US" dirty="0"/>
@@ -4438,7 +4436,7 @@
           <a:p>
             <a:pPr lvl="0"/>
             <a:r>
-              <a:rPr lang="en-US" smtClean="0"/>
+              <a:rPr lang="en-US"/>
               <a:t>Click to edit Master text styles</a:t>
             </a:r>
           </a:p>
@@ -4466,35 +4464,35 @@
           <a:p>
             <a:pPr lvl="0"/>
             <a:r>
-              <a:rPr lang="en-US" smtClean="0"/>
+              <a:rPr lang="en-US"/>
               <a:t>Click to edit Master text styles</a:t>
             </a:r>
           </a:p>
           <a:p>
             <a:pPr lvl="1"/>
             <a:r>
-              <a:rPr lang="en-US" smtClean="0"/>
+              <a:rPr lang="en-US"/>
               <a:t>Second level</a:t>
             </a:r>
           </a:p>
           <a:p>
             <a:pPr lvl="2"/>
             <a:r>
-              <a:rPr lang="en-US" smtClean="0"/>
+              <a:rPr lang="en-US"/>
               <a:t>Third level</a:t>
             </a:r>
           </a:p>
           <a:p>
             <a:pPr lvl="3"/>
             <a:r>
-              <a:rPr lang="en-US" smtClean="0"/>
+              <a:rPr lang="en-US"/>
               <a:t>Fourth level</a:t>
             </a:r>
           </a:p>
           <a:p>
             <a:pPr lvl="4"/>
             <a:r>
-              <a:rPr lang="en-US" smtClean="0"/>
+              <a:rPr lang="en-US"/>
               <a:t>Fifth level</a:t>
             </a:r>
             <a:endParaRPr lang="en-US" dirty="0"/>
@@ -4518,7 +4516,7 @@
           <a:p>
             <a:fld id="{EEE7C04C-7AF8-1445-A186-502B631B934F}" type="datetimeFigureOut">
               <a:rPr lang="en-US" smtClean="0"/>
-              <a:t>9/30/19</a:t>
+              <a:t>2/10/23</a:t>
             </a:fld>
             <a:endParaRPr lang="en-US"/>
           </a:p>
@@ -4607,7 +4605,7 @@
           <a:lstStyle/>
           <a:p>
             <a:r>
-              <a:rPr lang="en-US" smtClean="0"/>
+              <a:rPr lang="en-US"/>
               <a:t>Click to edit Master title style</a:t>
             </a:r>
             <a:endParaRPr lang="en-US" dirty="0"/>
@@ -4631,7 +4629,7 @@
           <a:p>
             <a:fld id="{EEE7C04C-7AF8-1445-A186-502B631B934F}" type="datetimeFigureOut">
               <a:rPr lang="en-US" smtClean="0"/>
-              <a:t>9/30/19</a:t>
+              <a:t>2/10/23</a:t>
             </a:fld>
             <a:endParaRPr lang="en-US"/>
           </a:p>
@@ -4721,7 +4719,7 @@
           <a:p>
             <a:fld id="{EEE7C04C-7AF8-1445-A186-502B631B934F}" type="datetimeFigureOut">
               <a:rPr lang="en-US" smtClean="0"/>
-              <a:t>9/30/19</a:t>
+              <a:t>2/10/23</a:t>
             </a:fld>
             <a:endParaRPr lang="en-US"/>
           </a:p>
@@ -4819,7 +4817,7 @@
           </a:lstStyle>
           <a:p>
             <a:r>
-              <a:rPr lang="en-US" smtClean="0"/>
+              <a:rPr lang="en-US"/>
               <a:t>Click to edit Master title style</a:t>
             </a:r>
             <a:endParaRPr lang="en-US" dirty="0"/>
@@ -4876,35 +4874,35 @@
           <a:p>
             <a:pPr lvl="0"/>
             <a:r>
-              <a:rPr lang="en-US" smtClean="0"/>
+              <a:rPr lang="en-US"/>
               <a:t>Click to edit Master text styles</a:t>
             </a:r>
           </a:p>
           <a:p>
             <a:pPr lvl="1"/>
             <a:r>
-              <a:rPr lang="en-US" smtClean="0"/>
+              <a:rPr lang="en-US"/>
               <a:t>Second level</a:t>
             </a:r>
           </a:p>
           <a:p>
             <a:pPr lvl="2"/>
             <a:r>
-              <a:rPr lang="en-US" smtClean="0"/>
+              <a:rPr lang="en-US"/>
               <a:t>Third level</a:t>
             </a:r>
           </a:p>
           <a:p>
             <a:pPr lvl="3"/>
             <a:r>
-              <a:rPr lang="en-US" smtClean="0"/>
+              <a:rPr lang="en-US"/>
               <a:t>Fourth level</a:t>
             </a:r>
           </a:p>
           <a:p>
             <a:pPr lvl="4"/>
             <a:r>
-              <a:rPr lang="en-US" smtClean="0"/>
+              <a:rPr lang="en-US"/>
               <a:t>Fifth level</a:t>
             </a:r>
             <a:endParaRPr lang="en-US" dirty="0"/>
@@ -4970,7 +4968,7 @@
           <a:p>
             <a:pPr lvl="0"/>
             <a:r>
-              <a:rPr lang="en-US" smtClean="0"/>
+              <a:rPr lang="en-US"/>
               <a:t>Click to edit Master text styles</a:t>
             </a:r>
           </a:p>
@@ -4993,7 +4991,7 @@
           <a:p>
             <a:fld id="{EEE7C04C-7AF8-1445-A186-502B631B934F}" type="datetimeFigureOut">
               <a:rPr lang="en-US" smtClean="0"/>
-              <a:t>9/30/19</a:t>
+              <a:t>2/10/23</a:t>
             </a:fld>
             <a:endParaRPr lang="en-US"/>
           </a:p>
@@ -5091,7 +5089,7 @@
           </a:lstStyle>
           <a:p>
             <a:r>
-              <a:rPr lang="en-US" smtClean="0"/>
+              <a:rPr lang="en-US"/>
               <a:t>Click to edit Master title style</a:t>
             </a:r>
             <a:endParaRPr lang="en-US" dirty="0"/>
@@ -5156,7 +5154,7 @@
           </a:lstStyle>
           <a:p>
             <a:r>
-              <a:rPr lang="en-US" smtClean="0"/>
+              <a:rPr lang="en-US"/>
               <a:t>Drag picture to placeholder or click icon to add</a:t>
             </a:r>
             <a:endParaRPr lang="en-US" dirty="0"/>
@@ -5222,7 +5220,7 @@
           <a:p>
             <a:pPr lvl="0"/>
             <a:r>
-              <a:rPr lang="en-US" smtClean="0"/>
+              <a:rPr lang="en-US"/>
               <a:t>Click to edit Master text styles</a:t>
             </a:r>
           </a:p>
@@ -5245,7 +5243,7 @@
           <a:p>
             <a:fld id="{EEE7C04C-7AF8-1445-A186-502B631B934F}" type="datetimeFigureOut">
               <a:rPr lang="en-US" smtClean="0"/>
-              <a:t>9/30/19</a:t>
+              <a:t>2/10/23</a:t>
             </a:fld>
             <a:endParaRPr lang="en-US"/>
           </a:p>
@@ -5349,10 +5347,9 @@
           <a:lstStyle/>
           <a:p>
             <a:r>
-              <a:rPr lang="en-US" dirty="0" smtClean="0"/>
+              <a:rPr lang="en-US" dirty="0"/>
               <a:t>Click to edit Master title style</a:t>
             </a:r>
-            <a:endParaRPr lang="en-US" dirty="0"/>
           </a:p>
         </p:txBody>
       </p:sp>
@@ -5383,35 +5380,35 @@
           <a:p>
             <a:pPr lvl="0"/>
             <a:r>
-              <a:rPr lang="en-US" smtClean="0"/>
+              <a:rPr lang="en-US"/>
               <a:t>Click to edit Master text styles</a:t>
             </a:r>
           </a:p>
           <a:p>
             <a:pPr lvl="1"/>
             <a:r>
-              <a:rPr lang="en-US" smtClean="0"/>
+              <a:rPr lang="en-US"/>
               <a:t>Second level</a:t>
             </a:r>
           </a:p>
           <a:p>
             <a:pPr lvl="2"/>
             <a:r>
-              <a:rPr lang="en-US" smtClean="0"/>
+              <a:rPr lang="en-US"/>
               <a:t>Third level</a:t>
             </a:r>
           </a:p>
           <a:p>
             <a:pPr lvl="3"/>
             <a:r>
-              <a:rPr lang="en-US" smtClean="0"/>
+              <a:rPr lang="en-US"/>
               <a:t>Fourth level</a:t>
             </a:r>
           </a:p>
           <a:p>
             <a:pPr lvl="4"/>
             <a:r>
-              <a:rPr lang="en-US" smtClean="0"/>
+              <a:rPr lang="en-US"/>
               <a:t>Fifth level</a:t>
             </a:r>
             <a:endParaRPr lang="en-US" dirty="0"/>
@@ -5453,7 +5450,7 @@
           <a:p>
             <a:fld id="{EEE7C04C-7AF8-1445-A186-502B631B934F}" type="datetimeFigureOut">
               <a:rPr lang="en-US" smtClean="0"/>
-              <a:t>9/30/19</a:t>
+              <a:t>2/10/23</a:t>
             </a:fld>
             <a:endParaRPr lang="en-US"/>
           </a:p>
@@ -5942,10 +5939,10 @@
           <p:cNvPr id="17" name="Freeform: Shape 16">
             <a:extLst>
               <a:ext uri="{FF2B5EF4-FFF2-40B4-BE49-F238E27FC236}">
-                <a16:creationId xmlns:a16="http://schemas.microsoft.com/office/drawing/2014/main" xmlns="" id="{BCC55ACC-A2F6-403C-A3A4-D59B3734D45F}"/>
+                <a16:creationId xmlns:a16="http://schemas.microsoft.com/office/drawing/2014/main" id="{BCC55ACC-A2F6-403C-A3A4-D59B3734D45F}"/>
               </a:ext>
               <a:ext uri="{C183D7F6-B498-43B3-948B-1728B52AA6E4}">
-                <adec:decorative xmlns:adec="http://schemas.microsoft.com/office/drawing/2017/decorative" xmlns="" val="1"/>
+                <adec:decorative xmlns:adec="http://schemas.microsoft.com/office/drawing/2017/decorative" val="1"/>
               </a:ext>
             </a:extLst>
           </p:cNvPr>
@@ -6611,7 +6608,7 @@
           </a:lstStyle>
           <a:p>
             <a:r>
-              <a:rPr lang="en-US" sz="1200" b="1" dirty="0" smtClean="0">
+              <a:rPr lang="en-US" sz="1200" b="1" dirty="0">
                 <a:solidFill>
                   <a:srgbClr val="C1651C"/>
                 </a:solidFill>
@@ -6622,7 +6619,7 @@
               <a:t> </a:t>
             </a:r>
             <a:r>
-              <a:rPr lang="en-US" sz="1200" b="1" dirty="0" err="1" smtClean="0">
+              <a:rPr lang="en-US" sz="1200" b="1" dirty="0" err="1">
                 <a:solidFill>
                   <a:srgbClr val="C1651C"/>
                 </a:solidFill>
@@ -6633,7 +6630,7 @@
               <a:t>def</a:t>
             </a:r>
             <a:r>
-              <a:rPr lang="en-US" sz="1200" b="1" dirty="0" smtClean="0">
+              <a:rPr lang="en-US" sz="1200" b="1" dirty="0">
                 <a:solidFill>
                   <a:srgbClr val="000000"/>
                 </a:solidFill>
@@ -6668,7 +6665,7 @@
           </a:p>
           <a:p>
             <a:r>
-              <a:rPr lang="en-US" sz="1200" b="1" dirty="0" smtClean="0">
+              <a:rPr lang="en-US" sz="1200" b="1" dirty="0">
                 <a:solidFill>
                   <a:srgbClr val="000000"/>
                 </a:solidFill>
@@ -6725,7 +6722,7 @@
           </a:p>
           <a:p>
             <a:r>
-              <a:rPr lang="en-US" sz="1200" b="1" dirty="0" smtClean="0">
+              <a:rPr lang="en-US" sz="1200" b="1" dirty="0">
                 <a:solidFill>
                   <a:srgbClr val="000000"/>
                 </a:solidFill>
@@ -6804,7 +6801,7 @@
           </a:p>
           <a:p>
             <a:r>
-              <a:rPr lang="en-US" sz="1200" b="1" dirty="0" smtClean="0">
+              <a:rPr lang="en-US" sz="1200" b="1" dirty="0">
                 <a:solidFill>
                   <a:srgbClr val="000000"/>
                 </a:solidFill>
@@ -6889,29 +6886,7 @@
                 <a:ea typeface="Courier" charset="0"/>
                 <a:cs typeface="Courier" charset="0"/>
               </a:rPr>
-              <a:t># No </a:t>
-            </a:r>
-            <a:r>
-              <a:rPr lang="en-US" sz="1200" b="1" dirty="0" smtClean="0">
-                <a:solidFill>
-                  <a:srgbClr val="400BD9"/>
-                </a:solidFill>
-                <a:latin typeface="Courier" charset="0"/>
-                <a:ea typeface="Courier" charset="0"/>
-                <a:cs typeface="Courier" charset="0"/>
-              </a:rPr>
-              <a:t>expired date </a:t>
-            </a:r>
-            <a:r>
-              <a:rPr lang="en-US" sz="1200" b="1" dirty="0">
-                <a:solidFill>
-                  <a:srgbClr val="400BD9"/>
-                </a:solidFill>
-                <a:latin typeface="Courier" charset="0"/>
-                <a:ea typeface="Courier" charset="0"/>
-                <a:cs typeface="Courier" charset="0"/>
-              </a:rPr>
-              <a:t>= until browser close</a:t>
+              <a:t># No expired date = until browser close</a:t>
             </a:r>
             <a:endParaRPr lang="en-US" sz="1200" b="1" dirty="0">
               <a:solidFill>
@@ -6924,7 +6899,7 @@
           </a:p>
           <a:p>
             <a:r>
-              <a:rPr lang="en-US" sz="1200" b="1" dirty="0" smtClean="0">
+              <a:rPr lang="en-US" sz="1200" b="1" dirty="0">
                 <a:solidFill>
                   <a:srgbClr val="000000"/>
                 </a:solidFill>
@@ -7088,7 +7063,7 @@
           </a:p>
           <a:p>
             <a:r>
-              <a:rPr lang="en-US" sz="1200" b="1" dirty="0" smtClean="0">
+              <a:rPr lang="en-US" sz="1200" b="1" dirty="0">
                 <a:solidFill>
                   <a:srgbClr val="000000"/>
                 </a:solidFill>
@@ -7482,7 +7457,6 @@
               <a:noFill/>
             </a:ln>
             <a:effectLst/>
-            <a:extLst/>
           </p:spPr>
           <p:txBody>
             <a:bodyPr/>
@@ -8434,7 +8408,6 @@
               <a:noFill/>
             </a:ln>
             <a:effectLst/>
-            <a:extLst/>
           </p:spPr>
           <p:txBody>
             <a:bodyPr/>
@@ -8830,7 +8803,7 @@
             <a:p>
               <a:pPr algn="ctr" eaLnBrk="1" hangingPunct="1"/>
               <a:r>
-                <a:rPr lang="en-US" altLang="x-none" sz="2133" smtClean="0">
+                <a:rPr lang="en-US" altLang="x-none" sz="2133">
                   <a:solidFill>
                     <a:schemeClr val="bg1"/>
                   </a:solidFill>
@@ -9912,7 +9885,7 @@
           </a:lstStyle>
           <a:p>
             <a:r>
-              <a:rPr lang="en-US" altLang="x-none" sz="1867" smtClean="0">
+              <a:rPr lang="en-US" altLang="x-none" sz="1867">
                 <a:solidFill>
                   <a:schemeClr val="bg1"/>
                 </a:solidFill>
@@ -10092,7 +10065,7 @@
           </a:lstStyle>
           <a:p>
             <a:r>
-              <a:rPr lang="en-US" altLang="x-none" sz="1867" smtClean="0">
+              <a:rPr lang="en-US" altLang="x-none" sz="1867">
                 <a:solidFill>
                   <a:schemeClr val="bg1"/>
                 </a:solidFill>
@@ -10431,7 +10404,7 @@
           </a:lstStyle>
           <a:p>
             <a:r>
-              <a:rPr lang="en-US" altLang="x-none" sz="1867" smtClean="0">
+              <a:rPr lang="en-US" altLang="x-none" sz="1867">
                 <a:solidFill>
                   <a:schemeClr val="bg1"/>
                 </a:solidFill>
@@ -10608,7 +10581,7 @@
           </a:lstStyle>
           <a:p>
             <a:r>
-              <a:rPr lang="en-US" altLang="x-none" sz="1867" smtClean="0">
+              <a:rPr lang="en-US" altLang="x-none" sz="1867">
                 <a:solidFill>
                   <a:schemeClr val="bg1"/>
                 </a:solidFill>
@@ -10633,21 +10606,6 @@
   <p:clrMapOvr>
     <a:masterClrMapping/>
   </p:clrMapOvr>
-  <mc:AlternateContent xmlns:mc="http://schemas.openxmlformats.org/markup-compatibility/2006" xmlns:p14="http://schemas.microsoft.com/office/powerpoint/2010/main">
-    <mc:Choice Requires="p14">
-      <p:transition spd="slow" p14:dur="2000"/>
-    </mc:Choice>
-    <mc:Fallback xmlns="">
-      <p:transition spd="slow"/>
-    </mc:Fallback>
-  </mc:AlternateContent>
-  <p:timing>
-    <p:tnLst>
-      <p:par>
-        <p:cTn id="1" dur="indefinite" restart="never" nodeType="tmRoot"/>
-      </p:par>
-    </p:tnLst>
-  </p:timing>
 </p:sld>
 </file>
 
@@ -10685,18 +10643,13 @@
           <a:p>
             <a:pPr eaLnBrk="1" hangingPunct="1"/>
             <a:r>
-              <a:rPr lang="en-US" altLang="x-none" sz="5867" dirty="0" smtClean="0">
+              <a:rPr lang="en-US" altLang="x-none" sz="5867" dirty="0">
                 <a:solidFill>
                   <a:srgbClr val="FFCC66"/>
                 </a:solidFill>
               </a:rPr>
               <a:t>Django Sessions</a:t>
             </a:r>
-            <a:endParaRPr lang="en-US" altLang="x-none" sz="5867" dirty="0">
-              <a:solidFill>
-                <a:srgbClr val="FFCC66"/>
-              </a:solidFill>
-            </a:endParaRPr>
           </a:p>
         </p:txBody>
       </p:sp>
@@ -10733,16 +10686,10 @@
           </a:p>
           <a:p>
             <a:r>
-              <a:rPr lang="en-US" altLang="en-US" dirty="0" smtClean="0">
-                <a:ea typeface="ＭＳ Ｐゴシック" charset="-128"/>
-              </a:rPr>
-              <a:t>https</a:t>
-            </a:r>
-            <a:r>
               <a:rPr lang="en-US" altLang="en-US" dirty="0">
                 <a:ea typeface="ＭＳ Ｐゴシック" charset="-128"/>
               </a:rPr>
-              <a:t>://</a:t>
+              <a:t>https://</a:t>
             </a:r>
             <a:r>
               <a:rPr lang="en-US" altLang="en-US" dirty="0" err="1">
@@ -10769,21 +10716,6 @@
   <p:clrMapOvr>
     <a:masterClrMapping/>
   </p:clrMapOvr>
-  <mc:AlternateContent xmlns:mc="http://schemas.openxmlformats.org/markup-compatibility/2006" xmlns:p14="http://schemas.microsoft.com/office/powerpoint/2010/main">
-    <mc:Choice Requires="p14">
-      <p:transition spd="slow" p14:dur="2000"/>
-    </mc:Choice>
-    <mc:Fallback xmlns="">
-      <p:transition spd="slow"/>
-    </mc:Fallback>
-  </mc:AlternateContent>
-  <p:timing>
-    <p:tnLst>
-      <p:par>
-        <p:cTn id="1" dur="indefinite" restart="never" nodeType="tmRoot"/>
-      </p:par>
-    </p:tnLst>
-  </p:timing>
 </p:sld>
 </file>
 
@@ -10846,10 +10778,9 @@
           <a:p>
             <a:pPr algn="r"/>
             <a:r>
-              <a:rPr lang="en-US" dirty="0" smtClean="0"/>
+              <a:rPr lang="en-US" dirty="0"/>
               <a:t>Linux</a:t>
             </a:r>
-            <a:endParaRPr lang="en-US" dirty="0"/>
           </a:p>
         </p:txBody>
       </p:sp>
@@ -10895,10 +10826,9 @@
           <a:p>
             <a:pPr algn="r"/>
             <a:r>
-              <a:rPr lang="en-US" dirty="0" smtClean="0"/>
+              <a:rPr lang="en-US" dirty="0"/>
               <a:t>Browser</a:t>
             </a:r>
-            <a:endParaRPr lang="en-US" dirty="0"/>
           </a:p>
         </p:txBody>
       </p:sp>
@@ -10947,10 +10877,9 @@
           <a:p>
             <a:pPr algn="r"/>
             <a:r>
-              <a:rPr lang="en-US" dirty="0" smtClean="0"/>
+              <a:rPr lang="en-US" dirty="0"/>
               <a:t>Django</a:t>
             </a:r>
-            <a:endParaRPr lang="en-US" dirty="0"/>
           </a:p>
         </p:txBody>
       </p:sp>
@@ -10979,7 +10908,7 @@
           <a:lstStyle/>
           <a:p>
             <a:r>
-              <a:rPr lang="en-US" dirty="0" err="1" smtClean="0"/>
+              <a:rPr lang="en-US" dirty="0" err="1"/>
               <a:t>WGSIConfig</a:t>
             </a:r>
             <a:endParaRPr lang="en-US" dirty="0"/>
@@ -11021,7 +10950,7 @@
           <a:p>
             <a:pPr algn="ctr"/>
             <a:r>
-              <a:rPr lang="en-US" dirty="0" err="1" smtClean="0">
+              <a:rPr lang="en-US" dirty="0" err="1">
                 <a:solidFill>
                   <a:schemeClr val="bg1"/>
                 </a:solidFill>
@@ -11071,7 +11000,7 @@
           <a:p>
             <a:pPr algn="ctr"/>
             <a:r>
-              <a:rPr lang="en-US" dirty="0" err="1" smtClean="0">
+              <a:rPr lang="en-US" dirty="0" err="1">
                 <a:solidFill>
                   <a:schemeClr val="bg1"/>
                 </a:solidFill>
@@ -11126,10 +11055,9 @@
           <a:p>
             <a:pPr algn="ctr"/>
             <a:r>
-              <a:rPr lang="en-US" dirty="0" smtClean="0"/>
+              <a:rPr lang="en-US" dirty="0"/>
               <a:t>Database</a:t>
             </a:r>
-            <a:endParaRPr lang="en-US" dirty="0"/>
           </a:p>
         </p:txBody>
       </p:sp>
@@ -11168,10 +11096,10 @@
           <a:p>
             <a:pPr algn="ctr"/>
             <a:r>
-              <a:rPr lang="en-US" smtClean="0"/>
+              <a:rPr lang="en-US"/>
               <a:t>Templates</a:t>
             </a:r>
-            <a:endParaRPr lang="en-US" dirty="0" smtClean="0"/>
+            <a:endParaRPr lang="en-US" dirty="0"/>
           </a:p>
         </p:txBody>
       </p:sp>
@@ -11210,7 +11138,7 @@
           <a:p>
             <a:pPr algn="ctr"/>
             <a:r>
-              <a:rPr lang="en-US" smtClean="0"/>
+              <a:rPr lang="en-US"/>
               <a:t>settings.py</a:t>
             </a:r>
             <a:endParaRPr lang="en-US" dirty="0"/>
@@ -11298,35 +11226,35 @@
           <a:p>
             <a:pPr algn="ctr"/>
             <a:r>
-              <a:rPr lang="en-US" dirty="0" smtClean="0"/>
+              <a:rPr lang="en-US" dirty="0"/>
               <a:t>N</a:t>
             </a:r>
           </a:p>
           <a:p>
             <a:pPr algn="ctr"/>
             <a:r>
-              <a:rPr lang="en-US" dirty="0" smtClean="0"/>
+              <a:rPr lang="en-US" dirty="0"/>
               <a:t>G</a:t>
             </a:r>
           </a:p>
           <a:p>
             <a:pPr algn="ctr"/>
             <a:r>
-              <a:rPr lang="en-US" dirty="0" smtClean="0"/>
+              <a:rPr lang="en-US" dirty="0"/>
               <a:t>I</a:t>
             </a:r>
           </a:p>
           <a:p>
             <a:pPr algn="ctr"/>
             <a:r>
-              <a:rPr lang="en-US" dirty="0" smtClean="0"/>
+              <a:rPr lang="en-US" dirty="0"/>
               <a:t>N</a:t>
             </a:r>
             <a:br>
-              <a:rPr lang="en-US" dirty="0" smtClean="0"/>
+              <a:rPr lang="en-US" dirty="0"/>
             </a:br>
             <a:r>
-              <a:rPr lang="en-US" dirty="0" smtClean="0"/>
+              <a:rPr lang="en-US" dirty="0"/>
               <a:t>X</a:t>
             </a:r>
           </a:p>
@@ -11489,7 +11417,7 @@
           <a:p>
             <a:pPr algn="ctr"/>
             <a:r>
-              <a:rPr lang="en-US" dirty="0" err="1" smtClean="0"/>
+              <a:rPr lang="en-US" dirty="0" err="1"/>
               <a:t>forms.py</a:t>
             </a:r>
             <a:endParaRPr lang="en-US" dirty="0"/>
@@ -11531,7 +11459,7 @@
           <a:p>
             <a:pPr algn="ctr"/>
             <a:r>
-              <a:rPr lang="en-US" dirty="0" err="1" smtClean="0">
+              <a:rPr lang="en-US" dirty="0" err="1">
                 <a:solidFill>
                   <a:schemeClr val="bg1"/>
                 </a:solidFill>
@@ -11721,24 +11649,23 @@
           <a:p>
             <a:pPr algn="ctr"/>
             <a:r>
-              <a:rPr lang="en-US" dirty="0" smtClean="0"/>
+              <a:rPr lang="en-US" dirty="0"/>
               <a:t>D</a:t>
             </a:r>
           </a:p>
           <a:p>
             <a:pPr algn="ctr"/>
             <a:r>
-              <a:rPr lang="en-US" dirty="0" smtClean="0"/>
+              <a:rPr lang="en-US" dirty="0"/>
               <a:t>O</a:t>
             </a:r>
           </a:p>
           <a:p>
             <a:pPr algn="ctr"/>
             <a:r>
-              <a:rPr lang="en-US" dirty="0" smtClean="0"/>
+              <a:rPr lang="en-US" dirty="0"/>
               <a:t>M</a:t>
             </a:r>
-            <a:endParaRPr lang="en-US" dirty="0"/>
           </a:p>
         </p:txBody>
       </p:sp>
@@ -11783,7 +11710,7 @@
           <a:p>
             <a:pPr algn="ctr"/>
             <a:r>
-              <a:rPr lang="en-US" dirty="0" smtClean="0">
+              <a:rPr lang="en-US" dirty="0">
                 <a:solidFill>
                   <a:schemeClr val="tx1"/>
                 </a:solidFill>
@@ -11794,18 +11721,13 @@
           <a:p>
             <a:pPr algn="ctr"/>
             <a:r>
-              <a:rPr lang="en-US" dirty="0" smtClean="0">
+              <a:rPr lang="en-US" dirty="0">
                 <a:solidFill>
                   <a:schemeClr val="tx1"/>
                 </a:solidFill>
               </a:rPr>
               <a:t>Response</a:t>
             </a:r>
-            <a:endParaRPr lang="en-US" dirty="0">
-              <a:solidFill>
-                <a:schemeClr val="tx1"/>
-              </a:solidFill>
-            </a:endParaRPr>
           </a:p>
         </p:txBody>
       </p:sp>
@@ -11855,7 +11777,7 @@
           <a:lstStyle/>
           <a:p>
             <a:r>
-              <a:rPr lang="en-US" dirty="0" err="1" smtClean="0"/>
+              <a:rPr lang="en-US" dirty="0" err="1"/>
               <a:t>Javascript</a:t>
             </a:r>
             <a:endParaRPr lang="en-US" dirty="0"/>
@@ -12120,7 +12042,7 @@
           <a:p>
             <a:pPr algn="ctr"/>
             <a:r>
-              <a:rPr lang="en-US" dirty="0" smtClean="0"/>
+              <a:rPr lang="en-US" dirty="0"/>
               <a:t>Click</a:t>
             </a:r>
           </a:p>
@@ -12290,7 +12212,7 @@
           <a:p>
             <a:pPr algn="ctr"/>
             <a:r>
-              <a:rPr lang="en-US" dirty="0" smtClean="0">
+              <a:rPr lang="en-US" dirty="0">
                 <a:solidFill>
                   <a:schemeClr val="bg1"/>
                 </a:solidFill>
@@ -12301,18 +12223,13 @@
           <a:p>
             <a:pPr algn="ctr"/>
             <a:r>
-              <a:rPr lang="en-US" dirty="0" smtClean="0">
+              <a:rPr lang="en-US" dirty="0">
                 <a:solidFill>
                   <a:schemeClr val="bg1"/>
                 </a:solidFill>
               </a:rPr>
               <a:t>Middleware</a:t>
             </a:r>
-            <a:endParaRPr lang="en-US" dirty="0">
-              <a:solidFill>
-                <a:schemeClr val="bg1"/>
-              </a:solidFill>
-            </a:endParaRPr>
           </a:p>
         </p:txBody>
       </p:sp>
@@ -12932,13 +12849,6 @@
   <p:clrMapOvr>
     <a:masterClrMapping/>
   </p:clrMapOvr>
-  <p:timing>
-    <p:tnLst>
-      <p:par>
-        <p:cTn id="1" dur="indefinite" restart="never" nodeType="tmRoot"/>
-      </p:par>
-    </p:tnLst>
-  </p:timing>
 </p:sld>
 </file>
 
@@ -13008,15 +12918,7 @@
             </a:pPr>
             <a:r>
               <a:rPr lang="en-US" altLang="x-none" sz="2667" dirty="0"/>
-              <a:t>In most server applications, as soon as we </a:t>
-            </a:r>
-            <a:r>
-              <a:rPr lang="en-US" altLang="x-none" sz="2667" dirty="0" smtClean="0"/>
-              <a:t>start a session for a </a:t>
-            </a:r>
-            <a:r>
-              <a:rPr lang="en-US" altLang="x-none" sz="2667" dirty="0"/>
-              <a:t>new (unmarked) browser we create a session.</a:t>
+              <a:t>In most server applications, as soon as we start a session for a new (unmarked) browser we create a session.</a:t>
             </a:r>
           </a:p>
           <a:p>
@@ -13054,15 +12956,7 @@
             </a:pPr>
             <a:r>
               <a:rPr lang="en-US" altLang="x-none" sz="2667" dirty="0"/>
-              <a:t>The creation and destruction of sessions is handled by a </a:t>
-            </a:r>
-            <a:r>
-              <a:rPr lang="en-US" altLang="x-none" sz="2667" dirty="0" smtClean="0"/>
-              <a:t>Django middleware that </a:t>
-            </a:r>
-            <a:r>
-              <a:rPr lang="en-US" altLang="x-none" sz="2667" dirty="0"/>
-              <a:t>we use in our applications.</a:t>
+              <a:t>The creation and destruction of sessions is handled by a Django middleware that we use in our applications.</a:t>
             </a:r>
           </a:p>
         </p:txBody>
@@ -13077,21 +12971,6 @@
   <p:clrMapOvr>
     <a:masterClrMapping/>
   </p:clrMapOvr>
-  <mc:AlternateContent xmlns:mc="http://schemas.openxmlformats.org/markup-compatibility/2006" xmlns:p14="http://schemas.microsoft.com/office/powerpoint/2010/main">
-    <mc:Choice Requires="p14">
-      <p:transition spd="slow" p14:dur="2000"/>
-    </mc:Choice>
-    <mc:Fallback xmlns="">
-      <p:transition spd="slow"/>
-    </mc:Fallback>
-  </mc:AlternateContent>
-  <p:timing>
-    <p:tnLst>
-      <p:par>
-        <p:cTn id="1" dur="indefinite" restart="never" nodeType="tmRoot"/>
-      </p:par>
-    </p:tnLst>
-  </p:timing>
 </p:sld>
 </file>
 
@@ -13213,21 +13092,6 @@
   <p:clrMapOvr>
     <a:masterClrMapping/>
   </p:clrMapOvr>
-  <mc:AlternateContent xmlns:mc="http://schemas.openxmlformats.org/markup-compatibility/2006" xmlns:p14="http://schemas.microsoft.com/office/powerpoint/2010/main">
-    <mc:Choice Requires="p14">
-      <p:transition spd="slow" p14:dur="2000"/>
-    </mc:Choice>
-    <mc:Fallback xmlns="">
-      <p:transition spd="slow"/>
-    </mc:Fallback>
-  </mc:AlternateContent>
-  <p:timing>
-    <p:tnLst>
-      <p:par>
-        <p:cTn id="1" dur="indefinite" restart="never" nodeType="tmRoot"/>
-      </p:par>
-    </p:tnLst>
-  </p:timing>
 </p:sld>
 </file>
 
@@ -13264,10 +13128,9 @@
           <a:lstStyle/>
           <a:p>
             <a:r>
-              <a:rPr lang="en-US" dirty="0" smtClean="0"/>
+              <a:rPr lang="en-US" dirty="0"/>
               <a:t>Middleware</a:t>
             </a:r>
-            <a:endParaRPr lang="en-US" dirty="0"/>
           </a:p>
         </p:txBody>
       </p:sp>
@@ -13970,18 +13833,17 @@
           <a:lstStyle/>
           <a:p>
             <a:r>
-              <a:rPr lang="en-US" dirty="0" smtClean="0"/>
+              <a:rPr lang="en-US" dirty="0"/>
               <a:t>Default </a:t>
             </a:r>
             <a:r>
-              <a:rPr lang="mr-IN" dirty="0" smtClean="0"/>
+              <a:rPr lang="mr-IN" dirty="0"/>
               <a:t>–</a:t>
             </a:r>
             <a:r>
-              <a:rPr lang="en-US" dirty="0" smtClean="0"/>
+              <a:rPr lang="en-US" dirty="0"/>
               <a:t> Store Sessions in the Database</a:t>
             </a:r>
-            <a:endParaRPr lang="en-US" dirty="0"/>
           </a:p>
         </p:txBody>
       </p:sp>
@@ -14222,21 +14084,12 @@
                 </a:solidFill>
                 <a:latin typeface="Menlo-Bold" charset="0"/>
               </a:rPr>
-              <a:t> </a:t>
-            </a:r>
-            <a:r>
-              <a:rPr lang="en-US" b="1" dirty="0" smtClean="0">
-                <a:solidFill>
-                  <a:srgbClr val="2FB41D"/>
-                </a:solidFill>
-                <a:latin typeface="Menlo-Bold" charset="0"/>
-              </a:rPr>
-              <a:t>OK</a:t>
-            </a:r>
-          </a:p>
-          <a:p>
-            <a:r>
-              <a:rPr lang="en-US" b="1" dirty="0" smtClean="0">
+              <a:t> OK</a:t>
+            </a:r>
+          </a:p>
+          <a:p>
+            <a:r>
+              <a:rPr lang="en-US" b="1" dirty="0">
                 <a:solidFill>
                   <a:srgbClr val="2FB41D"/>
                 </a:solidFill>
@@ -14253,22 +14106,13 @@
           </a:p>
           <a:p>
             <a:r>
-              <a:rPr lang="en-US" dirty="0" smtClean="0">
+              <a:rPr lang="en-US" dirty="0">
                 <a:solidFill>
                   <a:srgbClr val="000000"/>
                 </a:solidFill>
                 <a:latin typeface="Menlo-Regular" charset="0"/>
               </a:rPr>
-              <a:t>  Applying </a:t>
-            </a:r>
-            <a:r>
-              <a:rPr lang="en-US" dirty="0">
-                <a:solidFill>
-                  <a:srgbClr val="000000"/>
-                </a:solidFill>
-                <a:latin typeface="Menlo-Regular" charset="0"/>
-              </a:rPr>
-              <a:t>auth.0009_alter_user_last_name_max_length...</a:t>
+              <a:t>  Applying auth.0009_alter_user_last_name_max_length...</a:t>
             </a:r>
             <a:r>
               <a:rPr lang="en-US" b="1" dirty="0">
@@ -14422,10 +14266,9 @@
           <a:p>
             <a:pPr algn="r"/>
             <a:r>
-              <a:rPr lang="en-US" dirty="0" smtClean="0"/>
+              <a:rPr lang="en-US" dirty="0"/>
               <a:t>Linux</a:t>
             </a:r>
-            <a:endParaRPr lang="en-US" dirty="0"/>
           </a:p>
         </p:txBody>
       </p:sp>
@@ -14471,10 +14314,9 @@
           <a:p>
             <a:pPr algn="r"/>
             <a:r>
-              <a:rPr lang="en-US" dirty="0" smtClean="0"/>
+              <a:rPr lang="en-US" dirty="0"/>
               <a:t>Browser</a:t>
             </a:r>
-            <a:endParaRPr lang="en-US" dirty="0"/>
           </a:p>
         </p:txBody>
       </p:sp>
@@ -14523,10 +14365,9 @@
           <a:p>
             <a:pPr algn="r"/>
             <a:r>
-              <a:rPr lang="en-US" dirty="0" smtClean="0"/>
+              <a:rPr lang="en-US" dirty="0"/>
               <a:t>Django</a:t>
             </a:r>
-            <a:endParaRPr lang="en-US" dirty="0"/>
           </a:p>
         </p:txBody>
       </p:sp>
@@ -14555,7 +14396,7 @@
           <a:lstStyle/>
           <a:p>
             <a:r>
-              <a:rPr lang="en-US" dirty="0" err="1" smtClean="0"/>
+              <a:rPr lang="en-US" dirty="0" err="1"/>
               <a:t>WGSIConfig</a:t>
             </a:r>
             <a:endParaRPr lang="en-US" dirty="0"/>
@@ -14597,7 +14438,7 @@
           <a:p>
             <a:pPr algn="ctr"/>
             <a:r>
-              <a:rPr lang="en-US" dirty="0" err="1" smtClean="0">
+              <a:rPr lang="en-US" dirty="0" err="1">
                 <a:solidFill>
                   <a:schemeClr val="bg1"/>
                 </a:solidFill>
@@ -14647,7 +14488,7 @@
           <a:p>
             <a:pPr algn="ctr"/>
             <a:r>
-              <a:rPr lang="en-US" dirty="0" err="1" smtClean="0">
+              <a:rPr lang="en-US" dirty="0" err="1">
                 <a:solidFill>
                   <a:schemeClr val="bg1"/>
                 </a:solidFill>
@@ -14702,10 +14543,9 @@
           <a:p>
             <a:pPr algn="ctr"/>
             <a:r>
-              <a:rPr lang="en-US" dirty="0" smtClean="0"/>
+              <a:rPr lang="en-US" dirty="0"/>
               <a:t>Database</a:t>
             </a:r>
-            <a:endParaRPr lang="en-US" dirty="0"/>
           </a:p>
         </p:txBody>
       </p:sp>
@@ -14744,10 +14584,10 @@
           <a:p>
             <a:pPr algn="ctr"/>
             <a:r>
-              <a:rPr lang="en-US" smtClean="0"/>
+              <a:rPr lang="en-US"/>
               <a:t>Templates</a:t>
             </a:r>
-            <a:endParaRPr lang="en-US" dirty="0" smtClean="0"/>
+            <a:endParaRPr lang="en-US" dirty="0"/>
           </a:p>
         </p:txBody>
       </p:sp>
@@ -14786,7 +14626,7 @@
           <a:p>
             <a:pPr algn="ctr"/>
             <a:r>
-              <a:rPr lang="en-US" smtClean="0"/>
+              <a:rPr lang="en-US"/>
               <a:t>settings.py</a:t>
             </a:r>
             <a:endParaRPr lang="en-US" dirty="0"/>
@@ -14874,35 +14714,35 @@
           <a:p>
             <a:pPr algn="ctr"/>
             <a:r>
-              <a:rPr lang="en-US" dirty="0" smtClean="0"/>
+              <a:rPr lang="en-US" dirty="0"/>
               <a:t>N</a:t>
             </a:r>
           </a:p>
           <a:p>
             <a:pPr algn="ctr"/>
             <a:r>
-              <a:rPr lang="en-US" dirty="0" smtClean="0"/>
+              <a:rPr lang="en-US" dirty="0"/>
               <a:t>G</a:t>
             </a:r>
           </a:p>
           <a:p>
             <a:pPr algn="ctr"/>
             <a:r>
-              <a:rPr lang="en-US" dirty="0" smtClean="0"/>
+              <a:rPr lang="en-US" dirty="0"/>
               <a:t>I</a:t>
             </a:r>
           </a:p>
           <a:p>
             <a:pPr algn="ctr"/>
             <a:r>
-              <a:rPr lang="en-US" dirty="0" smtClean="0"/>
+              <a:rPr lang="en-US" dirty="0"/>
               <a:t>N</a:t>
             </a:r>
             <a:br>
-              <a:rPr lang="en-US" dirty="0" smtClean="0"/>
+              <a:rPr lang="en-US" dirty="0"/>
             </a:br>
             <a:r>
-              <a:rPr lang="en-US" dirty="0" smtClean="0"/>
+              <a:rPr lang="en-US" dirty="0"/>
               <a:t>X</a:t>
             </a:r>
           </a:p>
@@ -15065,7 +14905,7 @@
           <a:p>
             <a:pPr algn="ctr"/>
             <a:r>
-              <a:rPr lang="en-US" dirty="0" err="1" smtClean="0"/>
+              <a:rPr lang="en-US" dirty="0" err="1"/>
               <a:t>forms.py</a:t>
             </a:r>
             <a:endParaRPr lang="en-US" dirty="0"/>
@@ -15107,7 +14947,7 @@
           <a:p>
             <a:pPr algn="ctr"/>
             <a:r>
-              <a:rPr lang="en-US" dirty="0" err="1" smtClean="0">
+              <a:rPr lang="en-US" dirty="0" err="1">
                 <a:solidFill>
                   <a:schemeClr val="bg1"/>
                 </a:solidFill>
@@ -15297,24 +15137,23 @@
           <a:p>
             <a:pPr algn="ctr"/>
             <a:r>
-              <a:rPr lang="en-US" dirty="0" smtClean="0"/>
+              <a:rPr lang="en-US" dirty="0"/>
               <a:t>D</a:t>
             </a:r>
           </a:p>
           <a:p>
             <a:pPr algn="ctr"/>
             <a:r>
-              <a:rPr lang="en-US" dirty="0" smtClean="0"/>
+              <a:rPr lang="en-US" dirty="0"/>
               <a:t>O</a:t>
             </a:r>
           </a:p>
           <a:p>
             <a:pPr algn="ctr"/>
             <a:r>
-              <a:rPr lang="en-US" dirty="0" smtClean="0"/>
+              <a:rPr lang="en-US" dirty="0"/>
               <a:t>M</a:t>
             </a:r>
-            <a:endParaRPr lang="en-US" dirty="0"/>
           </a:p>
         </p:txBody>
       </p:sp>
@@ -15359,7 +15198,7 @@
           <a:p>
             <a:pPr algn="ctr"/>
             <a:r>
-              <a:rPr lang="en-US" dirty="0" smtClean="0">
+              <a:rPr lang="en-US" dirty="0">
                 <a:solidFill>
                   <a:schemeClr val="tx1"/>
                 </a:solidFill>
@@ -15370,18 +15209,13 @@
           <a:p>
             <a:pPr algn="ctr"/>
             <a:r>
-              <a:rPr lang="en-US" dirty="0" smtClean="0">
+              <a:rPr lang="en-US" dirty="0">
                 <a:solidFill>
                   <a:schemeClr val="tx1"/>
                 </a:solidFill>
               </a:rPr>
               <a:t>Response</a:t>
             </a:r>
-            <a:endParaRPr lang="en-US" dirty="0">
-              <a:solidFill>
-                <a:schemeClr val="tx1"/>
-              </a:solidFill>
-            </a:endParaRPr>
           </a:p>
         </p:txBody>
       </p:sp>
@@ -15431,7 +15265,7 @@
           <a:lstStyle/>
           <a:p>
             <a:r>
-              <a:rPr lang="en-US" dirty="0" err="1" smtClean="0"/>
+              <a:rPr lang="en-US" dirty="0" err="1"/>
               <a:t>Javascript</a:t>
             </a:r>
             <a:endParaRPr lang="en-US" dirty="0"/>
@@ -15696,7 +15530,7 @@
           <a:p>
             <a:pPr algn="ctr"/>
             <a:r>
-              <a:rPr lang="en-US" dirty="0" smtClean="0"/>
+              <a:rPr lang="en-US" dirty="0"/>
               <a:t>Click</a:t>
             </a:r>
           </a:p>
@@ -15866,7 +15700,7 @@
           <a:p>
             <a:pPr algn="ctr"/>
             <a:r>
-              <a:rPr lang="en-US" dirty="0" smtClean="0">
+              <a:rPr lang="en-US" dirty="0">
                 <a:solidFill>
                   <a:schemeClr val="bg1"/>
                 </a:solidFill>
@@ -15877,18 +15711,13 @@
           <a:p>
             <a:pPr algn="ctr"/>
             <a:r>
-              <a:rPr lang="en-US" dirty="0" smtClean="0">
+              <a:rPr lang="en-US" dirty="0">
                 <a:solidFill>
                   <a:schemeClr val="bg1"/>
                 </a:solidFill>
               </a:rPr>
               <a:t>Middleware</a:t>
             </a:r>
-            <a:endParaRPr lang="en-US" dirty="0">
-              <a:solidFill>
-                <a:schemeClr val="bg1"/>
-              </a:solidFill>
-            </a:endParaRPr>
           </a:p>
         </p:txBody>
       </p:sp>
@@ -15932,17 +15761,16 @@
           <a:p>
             <a:pPr algn="ctr"/>
             <a:r>
-              <a:rPr lang="en-US" dirty="0" smtClean="0"/>
+              <a:rPr lang="en-US" dirty="0"/>
               <a:t>Session</a:t>
             </a:r>
           </a:p>
           <a:p>
             <a:pPr algn="ctr"/>
             <a:r>
-              <a:rPr lang="en-US" dirty="0" smtClean="0"/>
+              <a:rPr lang="en-US" dirty="0"/>
               <a:t>Storage</a:t>
             </a:r>
-            <a:endParaRPr lang="en-US" dirty="0"/>
           </a:p>
         </p:txBody>
       </p:sp>
@@ -16074,13 +15902,6 @@
   <p:clrMapOvr>
     <a:masterClrMapping/>
   </p:clrMapOvr>
-  <p:timing>
-    <p:tnLst>
-      <p:par>
-        <p:cTn id="1" dur="indefinite" restart="never" nodeType="tmRoot"/>
-      </p:par>
-    </p:tnLst>
-  </p:timing>
 </p:sld>
 </file>
 
@@ -16295,7 +16116,6 @@
             <a:noFill/>
           </a:ln>
           <a:effectLst/>
-          <a:extLst/>
         </p:spPr>
         <p:txBody>
           <a:bodyPr anchor="b"/>
@@ -16809,7 +16629,7 @@
           <a:p>
             <a:pPr eaLnBrk="1" hangingPunct="1"/>
             <a:r>
-              <a:rPr lang="en-US" altLang="x-none" sz="2667" dirty="0" smtClean="0">
+              <a:rPr lang="en-US" altLang="x-none" sz="2667" dirty="0">
                 <a:solidFill>
                   <a:schemeClr val="bg1"/>
                 </a:solidFill>
@@ -17092,7 +16912,6 @@
             <a:noFill/>
           </a:ln>
           <a:effectLst/>
-          <a:extLst/>
         </p:spPr>
         <p:txBody>
           <a:bodyPr/>
@@ -18167,21 +17986,6 @@
   <p:clrMapOvr>
     <a:masterClrMapping/>
   </p:clrMapOvr>
-  <mc:AlternateContent xmlns:mc="http://schemas.openxmlformats.org/markup-compatibility/2006" xmlns:p14="http://schemas.microsoft.com/office/powerpoint/2010/main">
-    <mc:Choice Requires="p14">
-      <p:transition spd="slow" p14:dur="2000"/>
-    </mc:Choice>
-    <mc:Fallback xmlns="">
-      <p:transition spd="slow"/>
-    </mc:Fallback>
-  </mc:AlternateContent>
-  <p:timing>
-    <p:tnLst>
-      <p:par>
-        <p:cTn id="1" dur="indefinite" restart="never" nodeType="tmRoot"/>
-      </p:par>
-    </p:tnLst>
-  </p:timing>
 </p:sld>
 </file>
 
@@ -18225,7 +18029,6 @@
             <a:noFill/>
           </a:ln>
           <a:effectLst/>
-          <a:extLst/>
         </p:spPr>
         <p:txBody>
           <a:bodyPr anchor="b"/>
@@ -18235,14 +18038,11 @@
               <a:defRPr/>
             </a:pPr>
             <a:r>
-              <a:rPr lang="en-US" sz="2800" dirty="0" smtClean="0">
+              <a:rPr lang="en-US" sz="2800" dirty="0">
                 <a:ea typeface="ヒラギノ角ゴ ProN W3" charset="0"/>
               </a:rPr>
               <a:t>Django</a:t>
             </a:r>
-            <a:endParaRPr lang="en-US" sz="2800" dirty="0">
-              <a:ea typeface="ヒラギノ角ゴ ProN W3" charset="0"/>
-            </a:endParaRPr>
           </a:p>
         </p:txBody>
       </p:sp>
@@ -18898,39 +18698,29 @@
           <a:p>
             <a:pPr eaLnBrk="1" hangingPunct="1"/>
             <a:r>
-              <a:rPr lang="en-US" altLang="x-none" sz="2400" dirty="0" smtClean="0">
+              <a:rPr lang="en-US" altLang="x-none" sz="2400" dirty="0">
                 <a:solidFill>
                   <a:schemeClr val="bg1"/>
                 </a:solidFill>
               </a:rPr>
               <a:t>request</a:t>
             </a:r>
-            <a:endParaRPr lang="en-US" altLang="x-none" sz="2400" dirty="0">
-              <a:solidFill>
-                <a:schemeClr val="bg1"/>
-              </a:solidFill>
-            </a:endParaRPr>
           </a:p>
           <a:p>
             <a:pPr eaLnBrk="1" hangingPunct="1"/>
             <a:r>
-              <a:rPr lang="en-US" altLang="x-none" sz="2400" dirty="0" smtClean="0">
+              <a:rPr lang="en-US" altLang="x-none" sz="2400" dirty="0">
                 <a:solidFill>
                   <a:schemeClr val="bg1"/>
                 </a:solidFill>
               </a:rPr>
               <a:t>POST</a:t>
             </a:r>
-            <a:endParaRPr lang="en-US" altLang="x-none" sz="2400" dirty="0">
-              <a:solidFill>
-                <a:schemeClr val="bg1"/>
-              </a:solidFill>
-            </a:endParaRPr>
           </a:p>
           <a:p>
             <a:pPr eaLnBrk="1" hangingPunct="1"/>
             <a:r>
-              <a:rPr lang="en-US" altLang="x-none" sz="2400" dirty="0" smtClean="0">
+              <a:rPr lang="en-US" altLang="x-none" sz="2400" dirty="0">
                 <a:solidFill>
                   <a:schemeClr val="bg1"/>
                 </a:solidFill>
@@ -19213,7 +19003,6 @@
             <a:noFill/>
           </a:ln>
           <a:effectLst/>
-          <a:extLst/>
         </p:spPr>
         <p:txBody>
           <a:bodyPr/>
@@ -19942,39 +19731,29 @@
           <a:p>
             <a:pPr eaLnBrk="1" hangingPunct="1"/>
             <a:r>
-              <a:rPr lang="en-US" altLang="x-none" sz="2400" dirty="0" smtClean="0">
+              <a:rPr lang="en-US" altLang="x-none" sz="2400" dirty="0">
                 <a:solidFill>
                   <a:schemeClr val="bg1"/>
                 </a:solidFill>
               </a:rPr>
               <a:t>request</a:t>
             </a:r>
-            <a:endParaRPr lang="en-US" altLang="x-none" sz="2400" dirty="0">
-              <a:solidFill>
-                <a:schemeClr val="bg1"/>
-              </a:solidFill>
-            </a:endParaRPr>
           </a:p>
           <a:p>
             <a:pPr eaLnBrk="1" hangingPunct="1"/>
             <a:r>
-              <a:rPr lang="en-US" altLang="x-none" sz="2400" dirty="0" smtClean="0">
+              <a:rPr lang="en-US" altLang="x-none" sz="2400" dirty="0">
                 <a:solidFill>
                   <a:schemeClr val="bg1"/>
                 </a:solidFill>
               </a:rPr>
               <a:t>GET</a:t>
             </a:r>
-            <a:endParaRPr lang="en-US" altLang="x-none" sz="2400" dirty="0">
-              <a:solidFill>
-                <a:schemeClr val="bg1"/>
-              </a:solidFill>
-            </a:endParaRPr>
           </a:p>
           <a:p>
             <a:pPr eaLnBrk="1" hangingPunct="1"/>
             <a:r>
-              <a:rPr lang="en-US" altLang="x-none" sz="2400" dirty="0" smtClean="0">
+              <a:rPr lang="en-US" altLang="x-none" sz="2400" dirty="0">
                 <a:solidFill>
                   <a:schemeClr val="bg1"/>
                 </a:solidFill>
@@ -20141,23 +19920,18 @@
           <a:p>
             <a:pPr eaLnBrk="1" hangingPunct="1"/>
             <a:r>
-              <a:rPr lang="en-US" altLang="x-none" sz="2400" dirty="0" smtClean="0">
+              <a:rPr lang="en-US" altLang="x-none" sz="2400" dirty="0">
                 <a:solidFill>
                   <a:schemeClr val="bg1"/>
                 </a:solidFill>
               </a:rPr>
               <a:t>request</a:t>
             </a:r>
-            <a:endParaRPr lang="en-US" altLang="x-none" sz="2400" dirty="0">
-              <a:solidFill>
-                <a:schemeClr val="bg1"/>
-              </a:solidFill>
-            </a:endParaRPr>
           </a:p>
           <a:p>
             <a:pPr eaLnBrk="1" hangingPunct="1"/>
             <a:r>
-              <a:rPr lang="en-US" altLang="x-none" sz="2400" dirty="0" smtClean="0">
+              <a:rPr lang="en-US" altLang="x-none" sz="2400" dirty="0">
                 <a:solidFill>
                   <a:schemeClr val="bg1"/>
                 </a:solidFill>
@@ -20168,7 +19942,7 @@
           <a:p>
             <a:pPr eaLnBrk="1" hangingPunct="1"/>
             <a:r>
-              <a:rPr lang="en-US" altLang="x-none" sz="2400" dirty="0" smtClean="0">
+              <a:rPr lang="en-US" altLang="x-none" sz="2400" dirty="0">
                 <a:solidFill>
                   <a:schemeClr val="bg1"/>
                 </a:solidFill>
@@ -20335,39 +20109,29 @@
           <a:p>
             <a:pPr eaLnBrk="1" hangingPunct="1"/>
             <a:r>
-              <a:rPr lang="en-US" altLang="x-none" sz="2400" dirty="0" smtClean="0">
+              <a:rPr lang="en-US" altLang="x-none" sz="2400" dirty="0">
                 <a:solidFill>
                   <a:schemeClr val="bg1"/>
                 </a:solidFill>
               </a:rPr>
               <a:t>request</a:t>
             </a:r>
-            <a:endParaRPr lang="en-US" altLang="x-none" sz="2400" dirty="0">
-              <a:solidFill>
-                <a:schemeClr val="bg1"/>
-              </a:solidFill>
-            </a:endParaRPr>
           </a:p>
           <a:p>
             <a:pPr eaLnBrk="1" hangingPunct="1"/>
             <a:r>
-              <a:rPr lang="en-US" altLang="x-none" sz="2400" dirty="0" smtClean="0">
+              <a:rPr lang="en-US" altLang="x-none" sz="2400" dirty="0">
                 <a:solidFill>
                   <a:schemeClr val="bg1"/>
                 </a:solidFill>
               </a:rPr>
               <a:t>POST</a:t>
             </a:r>
-            <a:endParaRPr lang="en-US" altLang="x-none" sz="2400" dirty="0">
-              <a:solidFill>
-                <a:schemeClr val="bg1"/>
-              </a:solidFill>
-            </a:endParaRPr>
           </a:p>
           <a:p>
             <a:pPr eaLnBrk="1" hangingPunct="1"/>
             <a:r>
-              <a:rPr lang="en-US" altLang="x-none" sz="2400" dirty="0" smtClean="0">
+              <a:rPr lang="en-US" altLang="x-none" sz="2400" dirty="0">
                 <a:solidFill>
                   <a:schemeClr val="bg1"/>
                 </a:solidFill>
@@ -21510,21 +21274,6 @@
   <p:clrMapOvr>
     <a:masterClrMapping/>
   </p:clrMapOvr>
-  <mc:AlternateContent xmlns:mc="http://schemas.openxmlformats.org/markup-compatibility/2006" xmlns:p14="http://schemas.microsoft.com/office/powerpoint/2010/main">
-    <mc:Choice Requires="p14">
-      <p:transition spd="slow" p14:dur="2000"/>
-    </mc:Choice>
-    <mc:Fallback xmlns="">
-      <p:transition spd="slow"/>
-    </mc:Fallback>
-  </mc:AlternateContent>
-  <p:timing>
-    <p:tnLst>
-      <p:par>
-        <p:cTn id="1" dur="indefinite" restart="never" nodeType="tmRoot"/>
-      </p:par>
-    </p:tnLst>
-  </p:timing>
 </p:sld>
 </file>
 
@@ -21562,18 +21311,13 @@
           <a:p>
             <a:pPr eaLnBrk="1" hangingPunct="1"/>
             <a:r>
-              <a:rPr lang="en-US" altLang="x-none" sz="5600" dirty="0" smtClean="0">
+              <a:rPr lang="en-US" altLang="x-none" sz="5600" dirty="0">
                 <a:solidFill>
                   <a:srgbClr val="FFCC66"/>
                 </a:solidFill>
               </a:rPr>
               <a:t>Django Sessions</a:t>
             </a:r>
-            <a:endParaRPr lang="en-US" altLang="x-none" sz="5600" dirty="0">
-              <a:solidFill>
-                <a:srgbClr val="FFCC66"/>
-              </a:solidFill>
-            </a:endParaRPr>
           </a:p>
         </p:txBody>
       </p:sp>
@@ -21604,11 +21348,11 @@
               <a:defRPr/>
             </a:pPr>
             <a:r>
-              <a:rPr lang="en-US" sz="2851" dirty="0" smtClean="0"/>
+              <a:rPr lang="en-US" sz="2851" dirty="0"/>
               <a:t>The incoming </a:t>
             </a:r>
             <a:r>
-              <a:rPr lang="en-US" sz="2851" dirty="0" smtClean="0">
+              <a:rPr lang="en-US" sz="2851" dirty="0">
                 <a:solidFill>
                   <a:srgbClr val="FFFF00"/>
                 </a:solidFill>
@@ -21616,11 +21360,11 @@
               <a:t>request</a:t>
             </a:r>
             <a:r>
-              <a:rPr lang="en-US" sz="2851" dirty="0" smtClean="0"/>
+              <a:rPr lang="en-US" sz="2851" dirty="0"/>
               <a:t> object has a </a:t>
             </a:r>
             <a:r>
-              <a:rPr lang="en-US" sz="2851" dirty="0" err="1" smtClean="0">
+              <a:rPr lang="en-US" sz="2851" dirty="0" err="1">
                 <a:solidFill>
                   <a:srgbClr val="FFFF00"/>
                 </a:solidFill>
@@ -21628,7 +21372,7 @@
               <a:t>request.session</a:t>
             </a:r>
             <a:r>
-              <a:rPr lang="en-US" sz="2851" dirty="0" smtClean="0"/>
+              <a:rPr lang="en-US" sz="2851" dirty="0"/>
               <a:t> attribute that we can treat like a dictionary that persists from one request to the next request</a:t>
             </a:r>
           </a:p>
@@ -21640,11 +21384,11 @@
               <a:defRPr/>
             </a:pPr>
             <a:r>
-              <a:rPr lang="en-US" sz="2851" dirty="0" smtClean="0"/>
+              <a:rPr lang="en-US" sz="2851" dirty="0"/>
               <a:t>As long we have the session middleware enabled in </a:t>
             </a:r>
             <a:r>
-              <a:rPr lang="en-US" sz="2851" dirty="0" err="1" smtClean="0">
+              <a:rPr lang="en-US" sz="2851" dirty="0" err="1">
                 <a:solidFill>
                   <a:srgbClr val="00FDFF"/>
                 </a:solidFill>
@@ -21652,7 +21396,7 @@
               <a:t>settings.py</a:t>
             </a:r>
             <a:r>
-              <a:rPr lang="en-US" sz="2851" dirty="0" smtClean="0"/>
+              <a:rPr lang="en-US" sz="2851" dirty="0"/>
               <a:t> and the database table, and the browser allows cookies, we just store and read </a:t>
             </a:r>
             <a:r>
@@ -21672,10 +21416,9 @@
               <a:t> </a:t>
             </a:r>
             <a:r>
-              <a:rPr lang="en-US" sz="2851" dirty="0" smtClean="0"/>
+              <a:rPr lang="en-US" sz="2851" dirty="0"/>
               <a:t>in our views and pretend it is "magic"</a:t>
             </a:r>
-            <a:endParaRPr lang="en-US" sz="2851" dirty="0"/>
           </a:p>
         </p:txBody>
       </p:sp>
@@ -21689,21 +21432,6 @@
   <p:clrMapOvr>
     <a:masterClrMapping/>
   </p:clrMapOvr>
-  <mc:AlternateContent xmlns:mc="http://schemas.openxmlformats.org/markup-compatibility/2006" xmlns:p14="http://schemas.microsoft.com/office/powerpoint/2010/main">
-    <mc:Choice Requires="p14">
-      <p:transition spd="slow" p14:dur="2000"/>
-    </mc:Choice>
-    <mc:Fallback xmlns="">
-      <p:transition spd="slow"/>
-    </mc:Fallback>
-  </mc:AlternateContent>
-  <p:timing>
-    <p:tnLst>
-      <p:par>
-        <p:cTn id="1" dur="indefinite" restart="never" nodeType="tmRoot"/>
-      </p:par>
-    </p:tnLst>
-  </p:timing>
 </p:sld>
 </file>
 
@@ -21867,7 +21595,7 @@
           </a:lstStyle>
           <a:p>
             <a:r>
-              <a:rPr lang="en-US" sz="1800" b="1" dirty="0" smtClean="0">
+              <a:rPr lang="en-US" sz="1800" b="1" dirty="0">
                 <a:solidFill>
                   <a:srgbClr val="C1651C"/>
                 </a:solidFill>
@@ -21878,7 +21606,7 @@
               <a:t> </a:t>
             </a:r>
             <a:r>
-              <a:rPr lang="en-US" sz="1800" b="1" dirty="0" err="1" smtClean="0">
+              <a:rPr lang="en-US" sz="1800" b="1" dirty="0" err="1">
                 <a:solidFill>
                   <a:srgbClr val="C1651C"/>
                 </a:solidFill>
@@ -21889,7 +21617,7 @@
               <a:t>def</a:t>
             </a:r>
             <a:r>
-              <a:rPr lang="en-US" sz="1800" b="1" dirty="0" smtClean="0">
+              <a:rPr lang="en-US" sz="1800" b="1" dirty="0">
                 <a:solidFill>
                   <a:srgbClr val="000000"/>
                 </a:solidFill>
@@ -21932,18 +21660,7 @@
                 <a:ea typeface="Courier New" charset="0"/>
                 <a:cs typeface="Courier New" charset="0"/>
               </a:rPr>
-              <a:t> </a:t>
-            </a:r>
-            <a:r>
-              <a:rPr lang="en-US" sz="1800" b="1" dirty="0" smtClean="0">
-                <a:solidFill>
-                  <a:srgbClr val="000000"/>
-                </a:solidFill>
-                <a:latin typeface="Courier New" charset="0"/>
-                <a:ea typeface="Courier New" charset="0"/>
-                <a:cs typeface="Courier New" charset="0"/>
-              </a:rPr>
-              <a:t>    </a:t>
+              <a:t>     </a:t>
             </a:r>
             <a:r>
               <a:rPr lang="en-US" sz="1800" b="1" dirty="0" err="1">
@@ -22085,18 +21802,7 @@
                 <a:ea typeface="Courier New" charset="0"/>
                 <a:cs typeface="Courier New" charset="0"/>
               </a:rPr>
-              <a:t> </a:t>
-            </a:r>
-            <a:r>
-              <a:rPr lang="en-US" sz="1800" b="1" dirty="0" smtClean="0">
-                <a:solidFill>
-                  <a:srgbClr val="000000"/>
-                </a:solidFill>
-                <a:latin typeface="Courier New" charset="0"/>
-                <a:ea typeface="Courier New" charset="0"/>
-                <a:cs typeface="Courier New" charset="0"/>
-              </a:rPr>
-              <a:t>    </a:t>
+              <a:t>     </a:t>
             </a:r>
             <a:r>
               <a:rPr lang="en-US" sz="1800" b="1" dirty="0" err="1">
@@ -22194,32 +21900,32 @@
                 <a:ea typeface="Courier New" charset="0"/>
                 <a:cs typeface="Courier New" charset="0"/>
               </a:rPr>
-              <a:t> </a:t>
-            </a:r>
-            <a:r>
-              <a:rPr lang="en-US" sz="1800" b="1" dirty="0" smtClean="0">
-                <a:solidFill>
-                  <a:srgbClr val="000000"/>
+              <a:t>     </a:t>
+            </a:r>
+            <a:r>
+              <a:rPr lang="en-US" sz="1800" b="1" dirty="0">
+                <a:solidFill>
+                  <a:srgbClr val="C1651C"/>
                 </a:solidFill>
                 <a:latin typeface="Courier New" charset="0"/>
                 <a:ea typeface="Courier New" charset="0"/>
                 <a:cs typeface="Courier New" charset="0"/>
               </a:rPr>
-              <a:t>    </a:t>
+              <a:t>if</a:t>
             </a:r>
             <a:r>
               <a:rPr lang="en-US" sz="1800" b="1" dirty="0">
                 <a:solidFill>
-                  <a:srgbClr val="C1651C"/>
+                  <a:srgbClr val="000000"/>
                 </a:solidFill>
                 <a:latin typeface="Courier New" charset="0"/>
                 <a:ea typeface="Courier New" charset="0"/>
                 <a:cs typeface="Courier New" charset="0"/>
               </a:rPr>
-              <a:t>if</a:t>
-            </a:r>
-            <a:r>
-              <a:rPr lang="en-US" sz="1800" b="1" dirty="0">
+              <a:t> </a:t>
+            </a:r>
+            <a:r>
+              <a:rPr lang="en-US" sz="1800" b="1" dirty="0" err="1">
                 <a:solidFill>
                   <a:srgbClr val="000000"/>
                 </a:solidFill>
@@ -22227,10 +21933,10 @@
                 <a:ea typeface="Courier New" charset="0"/>
                 <a:cs typeface="Courier New" charset="0"/>
               </a:rPr>
-              <a:t> </a:t>
-            </a:r>
-            <a:r>
-              <a:rPr lang="en-US" sz="1800" b="1" dirty="0" err="1">
+              <a:t>num_visits</a:t>
+            </a:r>
+            <a:r>
+              <a:rPr lang="en-US" sz="1800" b="1" dirty="0">
                 <a:solidFill>
                   <a:srgbClr val="000000"/>
                 </a:solidFill>
@@ -22238,54 +21944,54 @@
                 <a:ea typeface="Courier New" charset="0"/>
                 <a:cs typeface="Courier New" charset="0"/>
               </a:rPr>
-              <a:t>num_visits</a:t>
+              <a:t> &gt; </a:t>
             </a:r>
             <a:r>
               <a:rPr lang="en-US" sz="1800" b="1" dirty="0">
                 <a:solidFill>
-                  <a:srgbClr val="000000"/>
+                  <a:srgbClr val="B42419"/>
                 </a:solidFill>
                 <a:latin typeface="Courier New" charset="0"/>
                 <a:ea typeface="Courier New" charset="0"/>
                 <a:cs typeface="Courier New" charset="0"/>
               </a:rPr>
-              <a:t> &gt; </a:t>
+              <a:t>4</a:t>
             </a:r>
             <a:r>
               <a:rPr lang="en-US" sz="1800" b="1" dirty="0">
                 <a:solidFill>
-                  <a:srgbClr val="B42419"/>
+                  <a:srgbClr val="000000"/>
                 </a:solidFill>
                 <a:latin typeface="Courier New" charset="0"/>
                 <a:ea typeface="Courier New" charset="0"/>
                 <a:cs typeface="Courier New" charset="0"/>
               </a:rPr>
-              <a:t>4</a:t>
+              <a:t> : </a:t>
             </a:r>
             <a:r>
               <a:rPr lang="en-US" sz="1800" b="1" dirty="0">
                 <a:solidFill>
-                  <a:srgbClr val="000000"/>
+                  <a:srgbClr val="C1651C"/>
                 </a:solidFill>
                 <a:latin typeface="Courier New" charset="0"/>
                 <a:ea typeface="Courier New" charset="0"/>
                 <a:cs typeface="Courier New" charset="0"/>
               </a:rPr>
-              <a:t> : </a:t>
+              <a:t>del</a:t>
             </a:r>
             <a:r>
               <a:rPr lang="en-US" sz="1800" b="1" dirty="0">
                 <a:solidFill>
-                  <a:srgbClr val="C1651C"/>
+                  <a:srgbClr val="000000"/>
                 </a:solidFill>
                 <a:latin typeface="Courier New" charset="0"/>
                 <a:ea typeface="Courier New" charset="0"/>
                 <a:cs typeface="Courier New" charset="0"/>
               </a:rPr>
-              <a:t>del</a:t>
-            </a:r>
-            <a:r>
-              <a:rPr lang="en-US" sz="1800" b="1" dirty="0">
+              <a:t>(</a:t>
+            </a:r>
+            <a:r>
+              <a:rPr lang="en-US" sz="1800" b="1" dirty="0" err="1">
                 <a:solidFill>
                   <a:srgbClr val="000000"/>
                 </a:solidFill>
@@ -22293,10 +21999,10 @@
                 <a:ea typeface="Courier New" charset="0"/>
                 <a:cs typeface="Courier New" charset="0"/>
               </a:rPr>
-              <a:t>(</a:t>
-            </a:r>
-            <a:r>
-              <a:rPr lang="en-US" sz="1800" b="1" dirty="0" err="1">
+              <a:t>request.session</a:t>
+            </a:r>
+            <a:r>
+              <a:rPr lang="en-US" sz="1800" b="1" dirty="0">
                 <a:solidFill>
                   <a:srgbClr val="000000"/>
                 </a:solidFill>
@@ -22304,21 +22010,21 @@
                 <a:ea typeface="Courier New" charset="0"/>
                 <a:cs typeface="Courier New" charset="0"/>
               </a:rPr>
-              <a:t>request.session</a:t>
+              <a:t>[</a:t>
             </a:r>
             <a:r>
               <a:rPr lang="en-US" sz="1800" b="1" dirty="0">
                 <a:solidFill>
-                  <a:srgbClr val="000000"/>
+                  <a:srgbClr val="B42419"/>
                 </a:solidFill>
                 <a:latin typeface="Courier New" charset="0"/>
                 <a:ea typeface="Courier New" charset="0"/>
                 <a:cs typeface="Courier New" charset="0"/>
               </a:rPr>
-              <a:t>[</a:t>
-            </a:r>
-            <a:r>
-              <a:rPr lang="en-US" sz="1800" b="1" dirty="0">
+              <a:t>'</a:t>
+            </a:r>
+            <a:r>
+              <a:rPr lang="en-US" sz="1800" b="1" dirty="0" err="1">
                 <a:solidFill>
                   <a:srgbClr val="B42419"/>
                 </a:solidFill>
@@ -22326,10 +22032,10 @@
                 <a:ea typeface="Courier New" charset="0"/>
                 <a:cs typeface="Courier New" charset="0"/>
               </a:rPr>
-              <a:t>'</a:t>
-            </a:r>
-            <a:r>
-              <a:rPr lang="en-US" sz="1800" b="1" dirty="0" err="1">
+              <a:t>num_visits</a:t>
+            </a:r>
+            <a:r>
+              <a:rPr lang="en-US" sz="1800" b="1" dirty="0">
                 <a:solidFill>
                   <a:srgbClr val="B42419"/>
                 </a:solidFill>
@@ -22337,19 +22043,21 @@
                 <a:ea typeface="Courier New" charset="0"/>
                 <a:cs typeface="Courier New" charset="0"/>
               </a:rPr>
-              <a:t>num_visits</a:t>
+              <a:t>'</a:t>
             </a:r>
             <a:r>
               <a:rPr lang="en-US" sz="1800" b="1" dirty="0">
                 <a:solidFill>
-                  <a:srgbClr val="B42419"/>
+                  <a:srgbClr val="000000"/>
                 </a:solidFill>
                 <a:latin typeface="Courier New" charset="0"/>
                 <a:ea typeface="Courier New" charset="0"/>
                 <a:cs typeface="Courier New" charset="0"/>
               </a:rPr>
-              <a:t>'</a:t>
-            </a:r>
+              <a:t>])</a:t>
+            </a:r>
+          </a:p>
+          <a:p>
             <a:r>
               <a:rPr lang="en-US" sz="1800" b="1" dirty="0">
                 <a:solidFill>
@@ -22359,23 +22067,21 @@
                 <a:ea typeface="Courier New" charset="0"/>
                 <a:cs typeface="Courier New" charset="0"/>
               </a:rPr>
-              <a:t>])</a:t>
-            </a:r>
-          </a:p>
-          <a:p>
+              <a:t> </a:t>
+            </a:r>
             <a:r>
               <a:rPr lang="en-US" sz="1800" b="1" dirty="0">
                 <a:solidFill>
-                  <a:srgbClr val="000000"/>
+                  <a:srgbClr val="C1651C"/>
                 </a:solidFill>
                 <a:latin typeface="Courier New" charset="0"/>
                 <a:ea typeface="Courier New" charset="0"/>
                 <a:cs typeface="Courier New" charset="0"/>
               </a:rPr>
-              <a:t> </a:t>
-            </a:r>
-            <a:r>
-              <a:rPr lang="en-US" sz="1800" b="1" dirty="0" smtClean="0">
+              <a:t>    </a:t>
+            </a:r>
+            <a:r>
+              <a:rPr lang="en-US" sz="1800" b="1" dirty="0">
                 <a:solidFill>
                   <a:srgbClr val="000000"/>
                 </a:solidFill>
@@ -22383,18 +22089,18 @@
                 <a:ea typeface="Courier New" charset="0"/>
                 <a:cs typeface="Courier New" charset="0"/>
               </a:rPr>
-              <a:t>    </a:t>
-            </a:r>
-            <a:r>
-              <a:rPr lang="en-US" sz="1800" b="1" dirty="0">
-                <a:solidFill>
-                  <a:srgbClr val="C1651C"/>
+              <a:t>resp = </a:t>
+            </a:r>
+            <a:r>
+              <a:rPr lang="en-US" sz="1800" b="1" dirty="0" err="1">
+                <a:solidFill>
+                  <a:srgbClr val="000000"/>
                 </a:solidFill>
                 <a:latin typeface="Courier New" charset="0"/>
                 <a:ea typeface="Courier New" charset="0"/>
                 <a:cs typeface="Courier New" charset="0"/>
               </a:rPr>
-              <a:t>return</a:t>
+              <a:t>HttpResponse</a:t>
             </a:r>
             <a:r>
               <a:rPr lang="en-US" sz="1800" b="1" dirty="0">
@@ -22405,18 +22111,18 @@
                 <a:ea typeface="Courier New" charset="0"/>
                 <a:cs typeface="Courier New" charset="0"/>
               </a:rPr>
-              <a:t> </a:t>
-            </a:r>
-            <a:r>
-              <a:rPr lang="en-US" sz="1800" b="1" dirty="0" err="1">
-                <a:solidFill>
-                  <a:srgbClr val="000000"/>
+              <a:t>(</a:t>
+            </a:r>
+            <a:r>
+              <a:rPr lang="en-US" sz="1800" b="1" dirty="0">
+                <a:solidFill>
+                  <a:srgbClr val="B42419"/>
                 </a:solidFill>
                 <a:latin typeface="Courier New" charset="0"/>
                 <a:ea typeface="Courier New" charset="0"/>
                 <a:cs typeface="Courier New" charset="0"/>
               </a:rPr>
-              <a:t>HttpResponse</a:t>
+              <a:t>'view count='</a:t>
             </a:r>
             <a:r>
               <a:rPr lang="en-US" sz="1800" b="1" dirty="0">
@@ -22427,18 +22133,18 @@
                 <a:ea typeface="Courier New" charset="0"/>
                 <a:cs typeface="Courier New" charset="0"/>
               </a:rPr>
-              <a:t>(</a:t>
+              <a:t>+</a:t>
             </a:r>
             <a:r>
               <a:rPr lang="en-US" sz="1800" b="1" dirty="0">
                 <a:solidFill>
-                  <a:srgbClr val="B42419"/>
+                  <a:srgbClr val="2EAEBB"/>
                 </a:solidFill>
                 <a:latin typeface="Courier New" charset="0"/>
                 <a:ea typeface="Courier New" charset="0"/>
                 <a:cs typeface="Courier New" charset="0"/>
               </a:rPr>
-              <a:t>'view count='</a:t>
+              <a:t>str</a:t>
             </a:r>
             <a:r>
               <a:rPr lang="en-US" sz="1800" b="1" dirty="0">
@@ -22449,18 +22155,18 @@
                 <a:ea typeface="Courier New" charset="0"/>
                 <a:cs typeface="Courier New" charset="0"/>
               </a:rPr>
-              <a:t>+</a:t>
+              <a:t>(</a:t>
             </a:r>
             <a:r>
               <a:rPr lang="en-US" sz="1800" b="1" dirty="0" err="1">
                 <a:solidFill>
-                  <a:srgbClr val="2EAEBB"/>
+                  <a:srgbClr val="000000"/>
                 </a:solidFill>
                 <a:latin typeface="Courier New" charset="0"/>
                 <a:ea typeface="Courier New" charset="0"/>
                 <a:cs typeface="Courier New" charset="0"/>
               </a:rPr>
-              <a:t>str</a:t>
+              <a:t>num_visits</a:t>
             </a:r>
             <a:r>
               <a:rPr lang="en-US" sz="1800" b="1" dirty="0">
@@ -22471,10 +22177,12 @@
                 <a:ea typeface="Courier New" charset="0"/>
                 <a:cs typeface="Courier New" charset="0"/>
               </a:rPr>
-              <a:t>(</a:t>
-            </a:r>
-            <a:r>
-              <a:rPr lang="en-US" sz="1800" b="1" dirty="0" err="1">
+              <a:t>))</a:t>
+            </a:r>
+          </a:p>
+          <a:p>
+            <a:r>
+              <a:rPr lang="en-US" sz="1800" b="1" dirty="0">
                 <a:solidFill>
                   <a:srgbClr val="000000"/>
                 </a:solidFill>
@@ -22482,18 +22190,29 @@
                 <a:ea typeface="Courier New" charset="0"/>
                 <a:cs typeface="Courier New" charset="0"/>
               </a:rPr>
-              <a:t>num_visits</a:t>
+              <a:t>     </a:t>
             </a:r>
             <a:r>
               <a:rPr lang="en-US" sz="1800" b="1" dirty="0">
                 <a:solidFill>
-                  <a:srgbClr val="000000"/>
+                  <a:srgbClr val="C1651C"/>
                 </a:solidFill>
                 <a:latin typeface="Courier New" charset="0"/>
                 <a:ea typeface="Courier New" charset="0"/>
                 <a:cs typeface="Courier New" charset="0"/>
               </a:rPr>
-              <a:t>))</a:t>
+              <a:t>return</a:t>
+            </a:r>
+            <a:r>
+              <a:rPr lang="en-US" sz="1800" b="1" dirty="0">
+                <a:solidFill>
+                  <a:srgbClr val="000000"/>
+                </a:solidFill>
+                <a:latin typeface="Courier New" charset="0"/>
+                <a:ea typeface="Courier New" charset="0"/>
+                <a:cs typeface="Courier New" charset="0"/>
+              </a:rPr>
+              <a:t> resp</a:t>
             </a:r>
             <a:endParaRPr lang="en-US" altLang="x-none" sz="1867" b="1" dirty="0">
               <a:solidFill>
@@ -22782,21 +22501,6 @@
   <p:clrMapOvr>
     <a:masterClrMapping/>
   </p:clrMapOvr>
-  <mc:AlternateContent xmlns:mc="http://schemas.openxmlformats.org/markup-compatibility/2006" xmlns:p14="http://schemas.microsoft.com/office/powerpoint/2010/main">
-    <mc:Choice Requires="p14">
-      <p:transition spd="slow" p14:dur="2000"/>
-    </mc:Choice>
-    <mc:Fallback xmlns="">
-      <p:transition spd="slow"/>
-    </mc:Fallback>
-  </mc:AlternateContent>
-  <p:timing>
-    <p:tnLst>
-      <p:par>
-        <p:cTn id="1" dur="indefinite" restart="never" nodeType="tmRoot"/>
-      </p:par>
-    </p:tnLst>
-  </p:timing>
 </p:sld>
 </file>
 
@@ -23806,11 +23510,6 @@
               </a:rPr>
               <a:t>vosaoain2dzw0o8bzlgsmovdbkp574us  </a:t>
             </a:r>
-            <a:endParaRPr lang="en-US" b="1" dirty="0" smtClean="0">
-              <a:latin typeface="Courier" charset="0"/>
-              <a:ea typeface="Courier" charset="0"/>
-              <a:cs typeface="Courier" charset="0"/>
-            </a:endParaRPr>
           </a:p>
           <a:p>
             <a:r>
@@ -23819,15 +23518,7 @@
                 <a:ea typeface="Courier" charset="0"/>
                 <a:cs typeface="Courier" charset="0"/>
               </a:rPr>
-              <a:t> </a:t>
-            </a:r>
-            <a:r>
-              <a:rPr lang="en-US" b="1" dirty="0" smtClean="0">
-                <a:latin typeface="Courier" charset="0"/>
-                <a:ea typeface="Courier" charset="0"/>
-                <a:cs typeface="Courier" charset="0"/>
-              </a:rPr>
-              <a:t>   YThiZWRjMjQ1NzZhMzYzMTBhZjYxNWI2ZDgyODI1Y2ExODI2MTJjNzp7Im51bV92aXNpdHMiOjF9  </a:t>
+              <a:t>    YThiZWRjMjQ1NzZhMzYzMTBhZjYxNWI2ZDgyODI1Y2ExODI2MTJjNzp7Im51bV92aXNpdHMiOjF9  </a:t>
             </a:r>
           </a:p>
           <a:p>
@@ -23837,15 +23528,56 @@
                 <a:ea typeface="Courier" charset="0"/>
                 <a:cs typeface="Courier" charset="0"/>
               </a:rPr>
-              <a:t> </a:t>
-            </a:r>
-            <a:r>
-              <a:rPr lang="en-US" b="1" dirty="0" smtClean="0">
+              <a:t>    2019-02-21 15:18:34.995362</a:t>
+            </a:r>
+          </a:p>
+          <a:p>
+            <a:r>
+              <a:rPr lang="en-US" b="1" dirty="0">
+                <a:solidFill>
+                  <a:srgbClr val="FFFF00"/>
+                </a:solidFill>
                 <a:latin typeface="Courier" charset="0"/>
                 <a:ea typeface="Courier" charset="0"/>
                 <a:cs typeface="Courier" charset="0"/>
               </a:rPr>
-              <a:t>   2019-02-21 </a:t>
+              <a:t>vii016kh2vzqpm0uw3or4qrqxddmwisx  </a:t>
+            </a:r>
+          </a:p>
+          <a:p>
+            <a:r>
+              <a:rPr lang="en-US" b="1" dirty="0">
+                <a:solidFill>
+                  <a:srgbClr val="FFFF00"/>
+                </a:solidFill>
+                <a:latin typeface="Courier" charset="0"/>
+                <a:ea typeface="Courier" charset="0"/>
+                <a:cs typeface="Courier" charset="0"/>
+              </a:rPr>
+              <a:t>    OWNkOGQxYjg4NzlkN2ZhOTc2NmU1ODY0NWMzZmQ4YjdhMzM4OTJhNjp7Im51bV92aXNpdHMiOjJ9  </a:t>
+            </a:r>
+          </a:p>
+          <a:p>
+            <a:r>
+              <a:rPr lang="en-US" b="1" dirty="0">
+                <a:solidFill>
+                  <a:srgbClr val="FFFF00"/>
+                </a:solidFill>
+                <a:latin typeface="Courier" charset="0"/>
+                <a:ea typeface="Courier" charset="0"/>
+                <a:cs typeface="Courier" charset="0"/>
+              </a:rPr>
+              <a:t>    2019-02-21 15:32:52.555061</a:t>
+            </a:r>
+          </a:p>
+          <a:p>
+            <a:r>
+              <a:rPr lang="en-US" b="1" dirty="0" err="1">
+                <a:latin typeface="Courier" charset="0"/>
+                <a:ea typeface="Courier" charset="0"/>
+                <a:cs typeface="Courier" charset="0"/>
+              </a:rPr>
+              <a:t>sqlite</a:t>
             </a:r>
             <a:r>
               <a:rPr lang="en-US" b="1" dirty="0">
@@ -23853,117 +23585,19 @@
                 <a:ea typeface="Courier" charset="0"/>
                 <a:cs typeface="Courier" charset="0"/>
               </a:rPr>
-              <a:t>15:18:34.995362</a:t>
-            </a:r>
-          </a:p>
-          <a:p>
-            <a:r>
-              <a:rPr lang="en-US" b="1" dirty="0" smtClean="0">
-                <a:solidFill>
-                  <a:srgbClr val="FFFF00"/>
+              <a:t>&gt; </a:t>
+            </a:r>
+            <a:r>
+              <a:rPr lang="en-US" b="1" dirty="0">
+                <a:solidFill>
+                  <a:srgbClr val="FFC000"/>
                 </a:solidFill>
                 <a:latin typeface="Courier" charset="0"/>
                 <a:ea typeface="Courier" charset="0"/>
                 <a:cs typeface="Courier" charset="0"/>
               </a:rPr>
-              <a:t>vii016kh2vzqpm0uw3or4qrqxddmwisx  </a:t>
-            </a:r>
-          </a:p>
-          <a:p>
-            <a:r>
-              <a:rPr lang="en-US" b="1" dirty="0">
-                <a:solidFill>
-                  <a:srgbClr val="FFFF00"/>
-                </a:solidFill>
-                <a:latin typeface="Courier" charset="0"/>
-                <a:ea typeface="Courier" charset="0"/>
-                <a:cs typeface="Courier" charset="0"/>
-              </a:rPr>
-              <a:t> </a:t>
-            </a:r>
-            <a:r>
-              <a:rPr lang="en-US" b="1" dirty="0" smtClean="0">
-                <a:solidFill>
-                  <a:srgbClr val="FFFF00"/>
-                </a:solidFill>
-                <a:latin typeface="Courier" charset="0"/>
-                <a:ea typeface="Courier" charset="0"/>
-                <a:cs typeface="Courier" charset="0"/>
-              </a:rPr>
-              <a:t>   OWNkOGQxYjg4NzlkN2ZhOTc2NmU1ODY0NWMzZmQ4YjdhMzM4OTJhNjp7Im51bV92aXNpdHMiOjJ9  </a:t>
-            </a:r>
-          </a:p>
-          <a:p>
-            <a:r>
-              <a:rPr lang="en-US" b="1" dirty="0">
-                <a:solidFill>
-                  <a:srgbClr val="FFFF00"/>
-                </a:solidFill>
-                <a:latin typeface="Courier" charset="0"/>
-                <a:ea typeface="Courier" charset="0"/>
-                <a:cs typeface="Courier" charset="0"/>
-              </a:rPr>
-              <a:t> </a:t>
-            </a:r>
-            <a:r>
-              <a:rPr lang="en-US" b="1" dirty="0" smtClean="0">
-                <a:solidFill>
-                  <a:srgbClr val="FFFF00"/>
-                </a:solidFill>
-                <a:latin typeface="Courier" charset="0"/>
-                <a:ea typeface="Courier" charset="0"/>
-                <a:cs typeface="Courier" charset="0"/>
-              </a:rPr>
-              <a:t>   2019-02-21 </a:t>
-            </a:r>
-            <a:r>
-              <a:rPr lang="en-US" b="1" dirty="0">
-                <a:solidFill>
-                  <a:srgbClr val="FFFF00"/>
-                </a:solidFill>
-                <a:latin typeface="Courier" charset="0"/>
-                <a:ea typeface="Courier" charset="0"/>
-                <a:cs typeface="Courier" charset="0"/>
-              </a:rPr>
-              <a:t>15:32:52.555061</a:t>
-            </a:r>
-          </a:p>
-          <a:p>
-            <a:r>
-              <a:rPr lang="en-US" b="1" dirty="0" err="1">
-                <a:latin typeface="Courier" charset="0"/>
-                <a:ea typeface="Courier" charset="0"/>
-                <a:cs typeface="Courier" charset="0"/>
-              </a:rPr>
-              <a:t>sqlite</a:t>
-            </a:r>
-            <a:r>
-              <a:rPr lang="en-US" b="1" dirty="0">
-                <a:latin typeface="Courier" charset="0"/>
-                <a:ea typeface="Courier" charset="0"/>
-                <a:cs typeface="Courier" charset="0"/>
-              </a:rPr>
-              <a:t>&gt; </a:t>
-            </a:r>
-            <a:r>
-              <a:rPr lang="en-US" b="1" dirty="0" smtClean="0">
-                <a:solidFill>
-                  <a:srgbClr val="FFC000"/>
-                </a:solidFill>
-                <a:latin typeface="Courier" charset="0"/>
-                <a:ea typeface="Courier" charset="0"/>
-                <a:cs typeface="Courier" charset="0"/>
-              </a:rPr>
               <a:t>.quit</a:t>
             </a:r>
-            <a:endParaRPr lang="en-US" b="1" dirty="0">
-              <a:solidFill>
-                <a:srgbClr val="FFC000"/>
-              </a:solidFill>
-              <a:latin typeface="Courier" charset="0"/>
-              <a:ea typeface="Courier" charset="0"/>
-              <a:cs typeface="Courier" charset="0"/>
-            </a:endParaRPr>
           </a:p>
         </p:txBody>
       </p:sp>
@@ -24037,7 +23671,7 @@
           </a:p>
           <a:p>
             <a:r>
-              <a:rPr lang="en-US" dirty="0" smtClean="0">
+              <a:rPr lang="en-US" dirty="0">
                 <a:latin typeface="Menlo-Regular" charset="0"/>
               </a:rPr>
               <a:t>&gt;&gt;&gt; </a:t>
@@ -24054,7 +23688,7 @@
           </a:p>
           <a:p>
             <a:r>
-              <a:rPr lang="en-US" dirty="0" smtClean="0">
+              <a:rPr lang="en-US" dirty="0">
                 <a:latin typeface="Menlo-Regular" charset="0"/>
               </a:rPr>
               <a:t>&gt;&gt;&gt; </a:t>
@@ -24066,36 +23700,18 @@
                 </a:solidFill>
                 <a:latin typeface="Menlo-Regular" charset="0"/>
               </a:rPr>
-              <a:t>x = base64.b64decode</a:t>
-            </a:r>
-            <a:r>
-              <a:rPr lang="en-US" dirty="0" smtClean="0">
+              <a:t>x = base64.b64decode(</a:t>
+            </a:r>
+          </a:p>
+          <a:p>
+            <a:r>
+              <a:rPr lang="en-US" dirty="0">
                 <a:solidFill>
                   <a:srgbClr val="FFFF00"/>
                 </a:solidFill>
                 <a:latin typeface="Menlo-Regular" charset="0"/>
               </a:rPr>
-              <a:t>(</a:t>
-            </a:r>
-          </a:p>
-          <a:p>
-            <a:r>
-              <a:rPr lang="en-US" dirty="0" smtClean="0">
-                <a:solidFill>
-                  <a:srgbClr val="FFFF00"/>
-                </a:solidFill>
-                <a:latin typeface="Menlo-Regular" charset="0"/>
-              </a:rPr>
-              <a:t>... 'OWNkOGQxYjg4NzlkN2ZhOTc2NmU1ODY0NWMzZmQ4YjdhMzM4OTJhNjp7Im51bV92aXNpdHMiOjJ9</a:t>
-            </a:r>
-            <a:r>
-              <a:rPr lang="en-US" dirty="0">
-                <a:solidFill>
-                  <a:srgbClr val="FFFF00"/>
-                </a:solidFill>
-                <a:latin typeface="Menlo-Regular" charset="0"/>
-              </a:rPr>
-              <a:t>')</a:t>
+              <a:t>... 'OWNkOGQxYjg4NzlkN2ZhOTc2NmU1ODY0NWMzZmQ4YjdhMzM4OTJhNjp7Im51bV92aXNpdHMiOjJ9')</a:t>
             </a:r>
           </a:p>
           <a:p>
@@ -24152,19 +23768,19 @@
           </a:p>
           <a:p>
             <a:r>
-              <a:rPr lang="mr-IN" dirty="0" smtClean="0">
+              <a:rPr lang="mr-IN" dirty="0">
                 <a:latin typeface="Menlo-Regular" charset="0"/>
               </a:rPr>
               <a:t>&gt;&gt;&gt;</a:t>
             </a:r>
             <a:r>
-              <a:rPr lang="en-US" dirty="0" smtClean="0">
+              <a:rPr lang="en-US" dirty="0">
                 <a:latin typeface="Menlo-Regular" charset="0"/>
               </a:rPr>
               <a:t> </a:t>
             </a:r>
             <a:r>
-              <a:rPr lang="en-US" dirty="0" smtClean="0">
+              <a:rPr lang="en-US" dirty="0">
                 <a:solidFill>
                   <a:srgbClr val="FFFF00"/>
                 </a:solidFill>
@@ -24313,10 +23929,9 @@
           <a:lstStyle/>
           <a:p>
             <a:r>
-              <a:rPr lang="en-US" dirty="0" smtClean="0"/>
+              <a:rPr lang="en-US" dirty="0"/>
               <a:t>What is in the Django Session Table?</a:t>
             </a:r>
-            <a:endParaRPr lang="en-US" dirty="0"/>
           </a:p>
         </p:txBody>
       </p:sp>
@@ -24416,13 +24031,8 @@
             <a:pPr marL="827597"/>
             <a:r>
               <a:rPr lang="en-US" altLang="x-none" sz="3200" dirty="0"/>
-              <a:t>Using Sessions in </a:t>
-            </a:r>
-            <a:r>
-              <a:rPr lang="en-US" altLang="x-none" sz="3200" dirty="0" smtClean="0"/>
-              <a:t>Django</a:t>
-            </a:r>
-            <a:endParaRPr lang="en-US" altLang="x-none" sz="3200" dirty="0"/>
+              <a:t>Using Sessions in Django</a:t>
+            </a:r>
           </a:p>
         </p:txBody>
       </p:sp>
@@ -24436,21 +24046,6 @@
   <p:clrMapOvr>
     <a:masterClrMapping/>
   </p:clrMapOvr>
-  <mc:AlternateContent xmlns:mc="http://schemas.openxmlformats.org/markup-compatibility/2006" xmlns:p14="http://schemas.microsoft.com/office/powerpoint/2010/main">
-    <mc:Choice Requires="p14">
-      <p:transition spd="slow" p14:dur="2000"/>
-    </mc:Choice>
-    <mc:Fallback xmlns="">
-      <p:transition spd="slow"/>
-    </mc:Fallback>
-  </mc:AlternateContent>
-  <p:timing>
-    <p:tnLst>
-      <p:par>
-        <p:cTn id="1" dur="indefinite" restart="never" nodeType="tmRoot"/>
-      </p:par>
-    </p:tnLst>
-  </p:timing>
 </p:sld>
 </file>
 
@@ -24553,21 +24148,6 @@
   <p:clrMapOvr>
     <a:masterClrMapping/>
   </p:clrMapOvr>
-  <mc:AlternateContent xmlns:mc="http://schemas.openxmlformats.org/markup-compatibility/2006" xmlns:p14="http://schemas.microsoft.com/office/powerpoint/2010/main">
-    <mc:Choice Requires="p14">
-      <p:transition spd="slow" p14:dur="2000"/>
-    </mc:Choice>
-    <mc:Fallback xmlns="">
-      <p:transition spd="slow"/>
-    </mc:Fallback>
-  </mc:AlternateContent>
-  <p:timing>
-    <p:tnLst>
-      <p:par>
-        <p:cTn id="1" dur="indefinite" restart="never" nodeType="tmRoot"/>
-      </p:par>
-    </p:tnLst>
-  </p:timing>
 </p:sld>
 </file>
 
@@ -25267,21 +24847,6 @@
   <p:clrMapOvr>
     <a:masterClrMapping/>
   </p:clrMapOvr>
-  <mc:AlternateContent xmlns:mc="http://schemas.openxmlformats.org/markup-compatibility/2006" xmlns:p14="http://schemas.microsoft.com/office/powerpoint/2010/main">
-    <mc:Choice Requires="p14">
-      <p:transition spd="slow" p14:dur="2000"/>
-    </mc:Choice>
-    <mc:Fallback xmlns="">
-      <p:transition spd="slow"/>
-    </mc:Fallback>
-  </mc:AlternateContent>
-  <p:timing>
-    <p:tnLst>
-      <p:par>
-        <p:cTn id="1" dur="indefinite" restart="never" nodeType="tmRoot"/>
-      </p:par>
-    </p:tnLst>
-  </p:timing>
 </p:sld>
 </file>
 
@@ -25398,26 +24963,22 @@
               <a:buChar char="•"/>
             </a:pPr>
             <a:r>
-              <a:rPr lang="en-US" altLang="en-US" sz="1600" dirty="0" smtClean="0"/>
+              <a:rPr lang="en-US" altLang="en-US" sz="1600" dirty="0"/>
               <a:t>Portions of the text of these slides is adapted from the text </a:t>
             </a:r>
             <a:r>
-              <a:rPr lang="en-US" altLang="en-US" sz="1600" dirty="0" smtClean="0">
+              <a:rPr lang="en-US" altLang="en-US" sz="1600" dirty="0">
                 <a:hlinkClick r:id="rId2"/>
               </a:rPr>
               <a:t>www.djangoproject.org</a:t>
             </a:r>
             <a:r>
-              <a:rPr lang="en-US" altLang="en-US" sz="1600" dirty="0" smtClean="0"/>
+              <a:rPr lang="en-US" altLang="en-US" sz="1600" dirty="0"/>
               <a:t> web site.  Those slides which use text from that site have a reference to the original text on that site. </a:t>
             </a:r>
             <a:r>
               <a:rPr lang="en-US" sz="1600" dirty="0"/>
-              <a:t>Django is licensed under the three-clause BSD </a:t>
-            </a:r>
-            <a:r>
-              <a:rPr lang="en-US" sz="1600" dirty="0" smtClean="0"/>
-              <a:t>license.</a:t>
+              <a:t>Django is licensed under the three-clause BSD license.</a:t>
             </a:r>
             <a:endParaRPr lang="en-US" altLang="en-US" sz="1600" dirty="0"/>
           </a:p>
@@ -25886,21 +25447,6 @@
   <p:clrMapOvr>
     <a:masterClrMapping/>
   </p:clrMapOvr>
-  <mc:AlternateContent xmlns:mc="http://schemas.openxmlformats.org/markup-compatibility/2006" xmlns:p14="http://schemas.microsoft.com/office/powerpoint/2010/main">
-    <mc:Choice Requires="p14">
-      <p:transition spd="slow" p14:dur="2000"/>
-    </mc:Choice>
-    <mc:Fallback xmlns="">
-      <p:transition spd="slow"/>
-    </mc:Fallback>
-  </mc:AlternateContent>
-  <p:timing>
-    <p:tnLst>
-      <p:par>
-        <p:cTn id="1" dur="indefinite" restart="never" nodeType="tmRoot"/>
-      </p:par>
-    </p:tnLst>
-  </p:timing>
 </p:sld>
 </file>
 
@@ -26208,21 +25754,6 @@
   <p:clrMapOvr>
     <a:masterClrMapping/>
   </p:clrMapOvr>
-  <mc:AlternateContent xmlns:mc="http://schemas.openxmlformats.org/markup-compatibility/2006" xmlns:p14="http://schemas.microsoft.com/office/powerpoint/2010/main">
-    <mc:Choice Requires="p14">
-      <p:transition spd="slow" p14:dur="2000"/>
-    </mc:Choice>
-    <mc:Fallback xmlns="">
-      <p:transition spd="slow"/>
-    </mc:Fallback>
-  </mc:AlternateContent>
-  <p:timing>
-    <p:tnLst>
-      <p:par>
-        <p:cTn id="1" dur="indefinite" restart="never" nodeType="tmRoot"/>
-      </p:par>
-    </p:tnLst>
-  </p:timing>
 </p:sld>
 </file>
 
@@ -26325,21 +25856,6 @@
   <p:clrMapOvr>
     <a:masterClrMapping/>
   </p:clrMapOvr>
-  <mc:AlternateContent xmlns:mc="http://schemas.openxmlformats.org/markup-compatibility/2006" xmlns:p14="http://schemas.microsoft.com/office/powerpoint/2010/main">
-    <mc:Choice Requires="p14">
-      <p:transition spd="slow" p14:dur="2000"/>
-    </mc:Choice>
-    <mc:Fallback xmlns="">
-      <p:transition spd="slow"/>
-    </mc:Fallback>
-  </mc:AlternateContent>
-  <p:timing>
-    <p:tnLst>
-      <p:par>
-        <p:cTn id="1" dur="indefinite" restart="never" nodeType="tmRoot"/>
-      </p:par>
-    </p:tnLst>
-  </p:timing>
 </p:sld>
 </file>
 
@@ -26417,18 +25933,28 @@
                   <a:srgbClr val="FFFF00"/>
                 </a:solidFill>
               </a:rPr>
-              <a:t>https://samples.dj4e.com/session</a:t>
-            </a:r>
-            <a:r>
-              <a:rPr lang="en-US" dirty="0" smtClean="0">
+              <a:t>https://samples.dj4e.com/session/</a:t>
+            </a:r>
+          </a:p>
+          <a:p>
+            <a:r>
+              <a:rPr lang="en-US" altLang="en-US" dirty="0">
                 <a:solidFill>
                   <a:srgbClr val="FFFF00"/>
                 </a:solidFill>
-              </a:rPr>
-              <a:t>/</a:t>
-            </a:r>
-          </a:p>
-          <a:p>
+                <a:ea typeface="ＭＳ Ｐゴシック" charset="-128"/>
+              </a:rPr>
+              <a:t>https://</a:t>
+            </a:r>
+            <a:r>
+              <a:rPr lang="en-US" altLang="en-US" dirty="0" err="1">
+                <a:solidFill>
+                  <a:srgbClr val="FFFF00"/>
+                </a:solidFill>
+                <a:ea typeface="ＭＳ Ｐゴシック" charset="-128"/>
+              </a:rPr>
+              <a:t>github.com</a:t>
+            </a:r>
             <a:r>
               <a:rPr lang="en-US" altLang="en-US" dirty="0">
                 <a:solidFill>
@@ -26436,28 +25962,10 @@
                 </a:solidFill>
                 <a:ea typeface="ＭＳ Ｐゴシック" charset="-128"/>
               </a:rPr>
-              <a:t>https://</a:t>
-            </a:r>
-            <a:r>
-              <a:rPr lang="en-US" altLang="en-US" dirty="0" err="1" smtClean="0">
-                <a:solidFill>
-                  <a:srgbClr val="FFFF00"/>
-                </a:solidFill>
-                <a:ea typeface="ＭＳ Ｐゴシック" charset="-128"/>
-              </a:rPr>
-              <a:t>github.com</a:t>
-            </a:r>
-            <a:r>
-              <a:rPr lang="en-US" altLang="en-US" dirty="0" smtClean="0">
-                <a:solidFill>
-                  <a:srgbClr val="FFFF00"/>
-                </a:solidFill>
-                <a:ea typeface="ＭＳ Ｐゴシック" charset="-128"/>
-              </a:rPr>
               <a:t>/csev/dj4e-samples/blob/master/session/home/</a:t>
             </a:r>
             <a:r>
-              <a:rPr lang="en-US" altLang="en-US" dirty="0" err="1" smtClean="0">
+              <a:rPr lang="en-US" altLang="en-US" dirty="0" err="1">
                 <a:solidFill>
                   <a:srgbClr val="FFFF00"/>
                 </a:solidFill>
@@ -26647,7 +26155,7 @@
           </a:lstStyle>
           <a:p>
             <a:r>
-              <a:rPr lang="en-US" sz="1800" b="1" dirty="0" smtClean="0">
+              <a:rPr lang="en-US" sz="1800" b="1" dirty="0">
                 <a:solidFill>
                   <a:srgbClr val="C1651C"/>
                 </a:solidFill>
@@ -26658,7 +26166,7 @@
               <a:t> </a:t>
             </a:r>
             <a:r>
-              <a:rPr lang="en-US" sz="1800" b="1" dirty="0" err="1" smtClean="0">
+              <a:rPr lang="en-US" sz="1800" b="1" dirty="0" err="1">
                 <a:solidFill>
                   <a:srgbClr val="C1651C"/>
                 </a:solidFill>
@@ -26669,7 +26177,7 @@
               <a:t>def</a:t>
             </a:r>
             <a:r>
-              <a:rPr lang="en-US" sz="1800" b="1" dirty="0" smtClean="0">
+              <a:rPr lang="en-US" sz="1800" b="1" dirty="0">
                 <a:solidFill>
                   <a:srgbClr val="000000"/>
                 </a:solidFill>
@@ -26704,7 +26212,7 @@
           </a:p>
           <a:p>
             <a:r>
-              <a:rPr lang="en-US" sz="1800" b="1" dirty="0" smtClean="0">
+              <a:rPr lang="en-US" sz="1800" b="1" dirty="0">
                 <a:solidFill>
                   <a:srgbClr val="000000"/>
                 </a:solidFill>
@@ -26761,7 +26269,7 @@
           </a:p>
           <a:p>
             <a:r>
-              <a:rPr lang="en-US" sz="1800" b="1" dirty="0" smtClean="0">
+              <a:rPr lang="en-US" sz="1800" b="1" dirty="0">
                 <a:solidFill>
                   <a:srgbClr val="000000"/>
                 </a:solidFill>
@@ -26840,7 +26348,7 @@
           </a:p>
           <a:p>
             <a:r>
-              <a:rPr lang="en-US" sz="1800" b="1" dirty="0" smtClean="0">
+              <a:rPr lang="en-US" sz="1800" b="1" dirty="0">
                 <a:solidFill>
                   <a:srgbClr val="000000"/>
                 </a:solidFill>
@@ -26925,29 +26433,7 @@
                 <a:ea typeface="Courier" charset="0"/>
                 <a:cs typeface="Courier" charset="0"/>
               </a:rPr>
-              <a:t># No </a:t>
-            </a:r>
-            <a:r>
-              <a:rPr lang="en-US" sz="1800" b="1" dirty="0" smtClean="0">
-                <a:solidFill>
-                  <a:srgbClr val="400BD9"/>
-                </a:solidFill>
-                <a:latin typeface="Courier" charset="0"/>
-                <a:ea typeface="Courier" charset="0"/>
-                <a:cs typeface="Courier" charset="0"/>
-              </a:rPr>
-              <a:t>expired date </a:t>
-            </a:r>
-            <a:r>
-              <a:rPr lang="en-US" sz="1800" b="1" dirty="0">
-                <a:solidFill>
-                  <a:srgbClr val="400BD9"/>
-                </a:solidFill>
-                <a:latin typeface="Courier" charset="0"/>
-                <a:ea typeface="Courier" charset="0"/>
-                <a:cs typeface="Courier" charset="0"/>
-              </a:rPr>
-              <a:t>= until browser close</a:t>
+              <a:t># No expired date = until browser close</a:t>
             </a:r>
             <a:endParaRPr lang="en-US" sz="1800" b="1" dirty="0">
               <a:solidFill>
@@ -26960,7 +26446,7 @@
           </a:p>
           <a:p>
             <a:r>
-              <a:rPr lang="en-US" sz="1800" b="1" dirty="0" smtClean="0">
+              <a:rPr lang="en-US" sz="1800" b="1" dirty="0">
                 <a:solidFill>
                   <a:srgbClr val="000000"/>
                 </a:solidFill>
@@ -27124,7 +26610,7 @@
           </a:p>
           <a:p>
             <a:r>
-              <a:rPr lang="en-US" sz="1800" b="1" dirty="0" smtClean="0">
+              <a:rPr lang="en-US" sz="1800" b="1" dirty="0">
                 <a:solidFill>
                   <a:srgbClr val="000000"/>
                 </a:solidFill>
@@ -27477,10 +26963,10 @@
                 <a:ea typeface="Courier" charset="0"/>
                 <a:cs typeface="Courier" charset="0"/>
               </a:rPr>
-              <a:t>[</a:t>
-            </a:r>
-            <a:r>
-              <a:rPr lang="mr-IN" dirty="0" smtClean="0">
+              <a:t>[29/</a:t>
+            </a:r>
+            <a:r>
+              <a:rPr lang="mr-IN" dirty="0" err="1">
                 <a:solidFill>
                   <a:srgbClr val="000000"/>
                 </a:solidFill>
@@ -27488,10 +26974,10 @@
                 <a:ea typeface="Courier" charset="0"/>
                 <a:cs typeface="Courier" charset="0"/>
               </a:rPr>
-              <a:t>29/</a:t>
-            </a:r>
-            <a:r>
-              <a:rPr lang="mr-IN" dirty="0" err="1" smtClean="0">
+              <a:t>Sep</a:t>
+            </a:r>
+            <a:r>
+              <a:rPr lang="mr-IN" dirty="0">
                 <a:solidFill>
                   <a:srgbClr val="000000"/>
                 </a:solidFill>
@@ -27499,10 +26985,10 @@
                 <a:ea typeface="Courier" charset="0"/>
                 <a:cs typeface="Courier" charset="0"/>
               </a:rPr>
-              <a:t>Sep</a:t>
-            </a:r>
-            <a:r>
-              <a:rPr lang="mr-IN" dirty="0" smtClean="0">
+              <a:t> 23:17:55] "GET /</a:t>
+            </a:r>
+            <a:r>
+              <a:rPr lang="mr-IN" dirty="0" err="1">
                 <a:solidFill>
                   <a:srgbClr val="000000"/>
                 </a:solidFill>
@@ -27510,7 +26996,7 @@
                 <a:ea typeface="Courier" charset="0"/>
                 <a:cs typeface="Courier" charset="0"/>
               </a:rPr>
-              <a:t> </a:t>
+              <a:t>session</a:t>
             </a:r>
             <a:r>
               <a:rPr lang="mr-IN" dirty="0">
@@ -27521,10 +27007,10 @@
                 <a:ea typeface="Courier" charset="0"/>
                 <a:cs typeface="Courier" charset="0"/>
               </a:rPr>
-              <a:t>23:17:55] "GET /</a:t>
-            </a:r>
-            <a:r>
-              <a:rPr lang="mr-IN" dirty="0" err="1" smtClean="0">
+              <a:t>/</a:t>
+            </a:r>
+            <a:r>
+              <a:rPr lang="en-US" dirty="0">
                 <a:solidFill>
                   <a:srgbClr val="000000"/>
                 </a:solidFill>
@@ -27532,10 +27018,10 @@
                 <a:ea typeface="Courier" charset="0"/>
                 <a:cs typeface="Courier" charset="0"/>
               </a:rPr>
-              <a:t>session</a:t>
-            </a:r>
-            <a:r>
-              <a:rPr lang="mr-IN" dirty="0" smtClean="0">
+              <a:t>cookie</a:t>
+            </a:r>
+            <a:r>
+              <a:rPr lang="mr-IN" dirty="0">
                 <a:solidFill>
                   <a:srgbClr val="000000"/>
                 </a:solidFill>
@@ -27543,43 +27029,10 @@
                 <a:ea typeface="Courier" charset="0"/>
                 <a:cs typeface="Courier" charset="0"/>
               </a:rPr>
-              <a:t>/</a:t>
-            </a:r>
-            <a:r>
-              <a:rPr lang="en-US" dirty="0" smtClean="0">
-                <a:solidFill>
-                  <a:srgbClr val="000000"/>
-                </a:solidFill>
-                <a:latin typeface="Courier" charset="0"/>
-                <a:ea typeface="Courier" charset="0"/>
-                <a:cs typeface="Courier" charset="0"/>
-              </a:rPr>
-              <a:t>cookie</a:t>
-            </a:r>
-            <a:r>
-              <a:rPr lang="mr-IN" dirty="0" smtClean="0">
-                <a:solidFill>
-                  <a:srgbClr val="000000"/>
-                </a:solidFill>
-                <a:latin typeface="Courier" charset="0"/>
-                <a:ea typeface="Courier" charset="0"/>
-                <a:cs typeface="Courier" charset="0"/>
-              </a:rPr>
-              <a:t> </a:t>
-            </a:r>
-            <a:r>
-              <a:rPr lang="mr-IN" dirty="0">
-                <a:solidFill>
-                  <a:srgbClr val="000000"/>
-                </a:solidFill>
-                <a:latin typeface="Courier" charset="0"/>
-                <a:ea typeface="Courier" charset="0"/>
-                <a:cs typeface="Courier" charset="0"/>
-              </a:rPr>
-              <a:t>HTTP/1.1" 200 </a:t>
-            </a:r>
-            <a:r>
-              <a:rPr lang="en-US" dirty="0" smtClean="0">
+              <a:t> HTTP/1.1" 200 </a:t>
+            </a:r>
+            <a:r>
+              <a:rPr lang="en-US" dirty="0">
                 <a:solidFill>
                   <a:srgbClr val="000000"/>
                 </a:solidFill>
@@ -27630,29 +27083,7 @@
                 <a:ea typeface="Courier" charset="0"/>
                 <a:cs typeface="Courier" charset="0"/>
               </a:rPr>
-              <a:t>': 'xy414ikma0p80jw19mrg146inewhzp3s', </a:t>
-            </a:r>
-            <a:r>
-              <a:rPr lang="en-US" dirty="0" smtClean="0">
-                <a:solidFill>
-                  <a:srgbClr val="000000"/>
-                </a:solidFill>
-                <a:latin typeface="Courier" charset="0"/>
-                <a:ea typeface="Courier" charset="0"/>
-                <a:cs typeface="Courier" charset="0"/>
-              </a:rPr>
-              <a:t>'zap</a:t>
-            </a:r>
-            <a:r>
-              <a:rPr lang="en-US" dirty="0">
-                <a:solidFill>
-                  <a:srgbClr val="000000"/>
-                </a:solidFill>
-                <a:latin typeface="Courier" charset="0"/>
-                <a:ea typeface="Courier" charset="0"/>
-                <a:cs typeface="Courier" charset="0"/>
-              </a:rPr>
-              <a:t>': '42', '</a:t>
+              <a:t>': 'xy414ikma0p80jw19mrg146inewhzp3s', 'zap': '42', '</a:t>
             </a:r>
             <a:r>
               <a:rPr lang="en-US" dirty="0" err="1">
@@ -27707,10 +27138,9 @@
           <a:lstStyle/>
           <a:p>
             <a:r>
-              <a:rPr lang="en-US" dirty="0" smtClean="0"/>
+              <a:rPr lang="en-US" dirty="0"/>
               <a:t>In the log:</a:t>
             </a:r>
-            <a:endParaRPr lang="en-US" dirty="0"/>
           </a:p>
         </p:txBody>
       </p:sp>
@@ -27724,21 +27154,6 @@
   <p:clrMapOvr>
     <a:masterClrMapping/>
   </p:clrMapOvr>
-  <mc:AlternateContent xmlns:mc="http://schemas.openxmlformats.org/markup-compatibility/2006" xmlns:p14="http://schemas.microsoft.com/office/powerpoint/2010/main">
-    <mc:Choice Requires="p14">
-      <p:transition spd="slow" p14:dur="2000"/>
-    </mc:Choice>
-    <mc:Fallback xmlns="">
-      <p:transition spd="slow"/>
-    </mc:Fallback>
-  </mc:AlternateContent>
-  <p:timing>
-    <p:tnLst>
-      <p:par>
-        <p:cTn id="1" dur="indefinite" restart="never" nodeType="tmRoot"/>
-      </p:par>
-    </p:tnLst>
-  </p:timing>
 </p:sld>
 </file>
 
@@ -27816,18 +27231,28 @@
                   <a:srgbClr val="FFFF00"/>
                 </a:solidFill>
               </a:rPr>
-              <a:t>https://samples.dj4e.com/session</a:t>
-            </a:r>
-            <a:r>
-              <a:rPr lang="en-US" dirty="0" smtClean="0">
+              <a:t>https://samples.dj4e.com/session/</a:t>
+            </a:r>
+          </a:p>
+          <a:p>
+            <a:r>
+              <a:rPr lang="en-US" altLang="en-US" dirty="0">
                 <a:solidFill>
                   <a:srgbClr val="FFFF00"/>
                 </a:solidFill>
-              </a:rPr>
-              <a:t>/</a:t>
-            </a:r>
-          </a:p>
-          <a:p>
+                <a:ea typeface="ＭＳ Ｐゴシック" charset="-128"/>
+              </a:rPr>
+              <a:t>https://</a:t>
+            </a:r>
+            <a:r>
+              <a:rPr lang="en-US" altLang="en-US" dirty="0" err="1">
+                <a:solidFill>
+                  <a:srgbClr val="FFFF00"/>
+                </a:solidFill>
+                <a:ea typeface="ＭＳ Ｐゴシック" charset="-128"/>
+              </a:rPr>
+              <a:t>github.com</a:t>
+            </a:r>
             <a:r>
               <a:rPr lang="en-US" altLang="en-US" dirty="0">
                 <a:solidFill>
@@ -27835,28 +27260,10 @@
                 </a:solidFill>
                 <a:ea typeface="ＭＳ Ｐゴシック" charset="-128"/>
               </a:rPr>
-              <a:t>https://</a:t>
-            </a:r>
-            <a:r>
-              <a:rPr lang="en-US" altLang="en-US" dirty="0" err="1" smtClean="0">
-                <a:solidFill>
-                  <a:srgbClr val="FFFF00"/>
-                </a:solidFill>
-                <a:ea typeface="ＭＳ Ｐゴシック" charset="-128"/>
-              </a:rPr>
-              <a:t>github.com</a:t>
-            </a:r>
-            <a:r>
-              <a:rPr lang="en-US" altLang="en-US" dirty="0" smtClean="0">
-                <a:solidFill>
-                  <a:srgbClr val="FFFF00"/>
-                </a:solidFill>
-                <a:ea typeface="ＭＳ Ｐゴシック" charset="-128"/>
-              </a:rPr>
               <a:t>/csev/dj4e-samples/blob/master/session/home/</a:t>
             </a:r>
             <a:r>
-              <a:rPr lang="en-US" altLang="en-US" dirty="0" err="1" smtClean="0">
+              <a:rPr lang="en-US" altLang="en-US" dirty="0" err="1">
                 <a:solidFill>
                   <a:srgbClr val="FFFF00"/>
                 </a:solidFill>
